--- a/Evidencias Grupales/03-ESTRUCTURA-PRESENTACION-VISION INICIAL DEL PROYECTO.pptx
+++ b/Evidencias Grupales/03-ESTRUCTURA-PRESENTACION-VISION INICIAL DEL PROYECTO.pptx
@@ -265,7 +265,7 @@
   </p:defaultTextStyle>
   <p:extLst>
     <p:ext uri="GoogleSlidesCustomDataVersion2">
-      <go:slidesCustomData xmlns:go="http://customooxmlschemas.google.com/" r:id="rId23" roundtripDataSignature="AMtx7mjY/NYnc6vvLJQF1AJrTr22wSn0gg=="/>
+      <go:slidesCustomData xmlns:go="http://customooxmlschemas.google.com/" r:id="rId23" roundtripDataSignature="AMtx7mjDfOuDlF9Lya/SCP4xXP0XaybYOQ=="/>
     </p:ext>
   </p:extLst>
 </p:presentation>
@@ -1821,7 +1821,7 @@
   <p:cSld>
     <p:spTree>
       <p:nvGrpSpPr>
-        <p:cNvPr id="179" name="Shape 179"/>
+        <p:cNvPr id="177" name="Shape 177"/>
         <p:cNvGrpSpPr/>
         <p:nvPr/>
       </p:nvGrpSpPr>
@@ -1835,7 +1835,7 @@
       </p:grpSpPr>
       <p:sp>
         <p:nvSpPr>
-          <p:cNvPr id="180" name="Google Shape;180;g385911a7e0a_0_24:notes"/>
+          <p:cNvPr id="178" name="Google Shape;178;g385911a7e0a_0_24:notes"/>
           <p:cNvSpPr txBox="1"/>
           <p:nvPr>
             <p:ph idx="1" type="body"/>
@@ -1882,7 +1882,7 @@
       </p:sp>
       <p:sp>
         <p:nvSpPr>
-          <p:cNvPr id="181" name="Google Shape;181;g385911a7e0a_0_24:notes"/>
+          <p:cNvPr id="179" name="Google Shape;179;g385911a7e0a_0_24:notes"/>
           <p:cNvSpPr/>
           <p:nvPr>
             <p:ph idx="2" type="sldImg"/>
@@ -1938,7 +1938,7 @@
   <p:cSld>
     <p:spTree>
       <p:nvGrpSpPr>
-        <p:cNvPr id="204" name="Shape 204"/>
+        <p:cNvPr id="202" name="Shape 202"/>
         <p:cNvGrpSpPr/>
         <p:nvPr/>
       </p:nvGrpSpPr>
@@ -1952,7 +1952,7 @@
       </p:grpSpPr>
       <p:sp>
         <p:nvSpPr>
-          <p:cNvPr id="205" name="Google Shape;205;g300c6dcdfd3_0_8:notes"/>
+          <p:cNvPr id="203" name="Google Shape;203;g300c6dcdfd3_0_8:notes"/>
           <p:cNvSpPr txBox="1"/>
           <p:nvPr>
             <p:ph idx="1" type="body"/>
@@ -1999,7 +1999,7 @@
       </p:sp>
       <p:sp>
         <p:nvSpPr>
-          <p:cNvPr id="206" name="Google Shape;206;g300c6dcdfd3_0_8:notes"/>
+          <p:cNvPr id="204" name="Google Shape;204;g300c6dcdfd3_0_8:notes"/>
           <p:cNvSpPr/>
           <p:nvPr>
             <p:ph idx="2" type="sldImg"/>
@@ -2055,7 +2055,7 @@
   <p:cSld>
     <p:spTree>
       <p:nvGrpSpPr>
-        <p:cNvPr id="213" name="Shape 213"/>
+        <p:cNvPr id="211" name="Shape 211"/>
         <p:cNvGrpSpPr/>
         <p:nvPr/>
       </p:nvGrpSpPr>
@@ -2069,7 +2069,7 @@
       </p:grpSpPr>
       <p:sp>
         <p:nvSpPr>
-          <p:cNvPr id="214" name="Google Shape;214;p11:notes"/>
+          <p:cNvPr id="212" name="Google Shape;212;p11:notes"/>
           <p:cNvSpPr txBox="1"/>
           <p:nvPr>
             <p:ph idx="1" type="body"/>
@@ -2116,7 +2116,7 @@
       </p:sp>
       <p:sp>
         <p:nvSpPr>
-          <p:cNvPr id="215" name="Google Shape;215;p11:notes"/>
+          <p:cNvPr id="213" name="Google Shape;213;p11:notes"/>
           <p:cNvSpPr/>
           <p:nvPr>
             <p:ph idx="2" type="sldImg"/>
@@ -2172,7 +2172,7 @@
   <p:cSld>
     <p:spTree>
       <p:nvGrpSpPr>
-        <p:cNvPr id="222" name="Shape 222"/>
+        <p:cNvPr id="220" name="Shape 220"/>
         <p:cNvGrpSpPr/>
         <p:nvPr/>
       </p:nvGrpSpPr>
@@ -2186,7 +2186,7 @@
       </p:grpSpPr>
       <p:sp>
         <p:nvSpPr>
-          <p:cNvPr id="223" name="Google Shape;223;p12:notes"/>
+          <p:cNvPr id="221" name="Google Shape;221;p12:notes"/>
           <p:cNvSpPr txBox="1"/>
           <p:nvPr>
             <p:ph idx="1" type="body"/>
@@ -2233,7 +2233,7 @@
       </p:sp>
       <p:sp>
         <p:nvSpPr>
-          <p:cNvPr id="224" name="Google Shape;224;p12:notes"/>
+          <p:cNvPr id="222" name="Google Shape;222;p12:notes"/>
           <p:cNvSpPr/>
           <p:nvPr>
             <p:ph idx="2" type="sldImg"/>
@@ -2289,7 +2289,7 @@
   <p:cSld>
     <p:spTree>
       <p:nvGrpSpPr>
-        <p:cNvPr id="231" name="Shape 231"/>
+        <p:cNvPr id="229" name="Shape 229"/>
         <p:cNvGrpSpPr/>
         <p:nvPr/>
       </p:nvGrpSpPr>
@@ -2303,7 +2303,7 @@
       </p:grpSpPr>
       <p:sp>
         <p:nvSpPr>
-          <p:cNvPr id="232" name="Google Shape;232;g300c6dcdfd3_0_33:notes"/>
+          <p:cNvPr id="230" name="Google Shape;230;g300c6dcdfd3_0_33:notes"/>
           <p:cNvSpPr txBox="1"/>
           <p:nvPr>
             <p:ph idx="1" type="body"/>
@@ -2350,7 +2350,7 @@
       </p:sp>
       <p:sp>
         <p:nvSpPr>
-          <p:cNvPr id="233" name="Google Shape;233;g300c6dcdfd3_0_33:notes"/>
+          <p:cNvPr id="231" name="Google Shape;231;g300c6dcdfd3_0_33:notes"/>
           <p:cNvSpPr/>
           <p:nvPr>
             <p:ph idx="2" type="sldImg"/>
@@ -2991,7 +2991,7 @@
   <p:cSld>
     <p:spTree>
       <p:nvGrpSpPr>
-        <p:cNvPr id="136" name="Shape 136"/>
+        <p:cNvPr id="134" name="Shape 134"/>
         <p:cNvGrpSpPr/>
         <p:nvPr/>
       </p:nvGrpSpPr>
@@ -3005,7 +3005,7 @@
       </p:grpSpPr>
       <p:sp>
         <p:nvSpPr>
-          <p:cNvPr id="137" name="Google Shape;137;p9:notes"/>
+          <p:cNvPr id="135" name="Google Shape;135;p9:notes"/>
           <p:cNvSpPr txBox="1"/>
           <p:nvPr>
             <p:ph idx="1" type="body"/>
@@ -3052,7 +3052,7 @@
       </p:sp>
       <p:sp>
         <p:nvSpPr>
-          <p:cNvPr id="138" name="Google Shape;138;p9:notes"/>
+          <p:cNvPr id="136" name="Google Shape;136;p9:notes"/>
           <p:cNvSpPr/>
           <p:nvPr>
             <p:ph idx="2" type="sldImg"/>
@@ -3108,7 +3108,7 @@
   <p:cSld>
     <p:spTree>
       <p:nvGrpSpPr>
-        <p:cNvPr id="145" name="Shape 145"/>
+        <p:cNvPr id="143" name="Shape 143"/>
         <p:cNvGrpSpPr/>
         <p:nvPr/>
       </p:nvGrpSpPr>
@@ -3122,7 +3122,7 @@
       </p:grpSpPr>
       <p:sp>
         <p:nvSpPr>
-          <p:cNvPr id="146" name="Google Shape;146;g300c6dcdfd3_0_0:notes"/>
+          <p:cNvPr id="144" name="Google Shape;144;g300c6dcdfd3_0_0:notes"/>
           <p:cNvSpPr txBox="1"/>
           <p:nvPr>
             <p:ph idx="1" type="body"/>
@@ -3169,7 +3169,7 @@
       </p:sp>
       <p:sp>
         <p:nvSpPr>
-          <p:cNvPr id="147" name="Google Shape;147;g300c6dcdfd3_0_0:notes"/>
+          <p:cNvPr id="145" name="Google Shape;145;g300c6dcdfd3_0_0:notes"/>
           <p:cNvSpPr/>
           <p:nvPr>
             <p:ph idx="2" type="sldImg"/>
@@ -3225,7 +3225,7 @@
   <p:cSld>
     <p:spTree>
       <p:nvGrpSpPr>
-        <p:cNvPr id="154" name="Shape 154"/>
+        <p:cNvPr id="152" name="Shape 152"/>
         <p:cNvGrpSpPr/>
         <p:nvPr/>
       </p:nvGrpSpPr>
@@ -3239,7 +3239,7 @@
       </p:grpSpPr>
       <p:sp>
         <p:nvSpPr>
-          <p:cNvPr id="155" name="Google Shape;155;p10:notes"/>
+          <p:cNvPr id="153" name="Google Shape;153;p10:notes"/>
           <p:cNvSpPr txBox="1"/>
           <p:nvPr>
             <p:ph idx="1" type="body"/>
@@ -3286,7 +3286,7 @@
       </p:sp>
       <p:sp>
         <p:nvSpPr>
-          <p:cNvPr id="156" name="Google Shape;156;p10:notes"/>
+          <p:cNvPr id="154" name="Google Shape;154;p10:notes"/>
           <p:cNvSpPr/>
           <p:nvPr>
             <p:ph idx="2" type="sldImg"/>
@@ -16590,8 +16590,8 @@
         </p:nvSpPr>
         <p:spPr>
           <a:xfrm>
-            <a:off x="245038" y="5242437"/>
-            <a:ext cx="10646532" cy="1173112"/>
+            <a:off x="245038" y="5523512"/>
+            <a:ext cx="10646400" cy="1173000"/>
           </a:xfrm>
           <a:prstGeom prst="rect">
             <a:avLst/>
@@ -16603,7 +16603,7 @@
         </p:spPr>
         <p:txBody>
           <a:bodyPr anchorCtr="0" anchor="ctr" bIns="45700" lIns="91425" spcFirstLastPara="1" rIns="91425" wrap="square" tIns="45700">
-            <a:normAutofit fontScale="97500"/>
+            <a:normAutofit/>
           </a:bodyPr>
           <a:lstStyle/>
           <a:p>
@@ -16620,7 +16620,7 @@
               <a:buClr>
                 <a:schemeClr val="dk1"/>
               </a:buClr>
-              <a:buSzPct val="159544"/>
+              <a:buSzPts val="2872"/>
               <a:buFont typeface="Calibri"/>
               <a:buNone/>
             </a:pPr>
@@ -16657,7 +16657,19 @@
                 <a:cs typeface="Calibri"/>
                 <a:sym typeface="Calibri"/>
               </a:rPr>
-              <a:t>Integrantes	:</a:t>
+              <a:t>Integrantes	: Carol</a:t>
+            </a:r>
+            <a:r>
+              <a:rPr lang="es-419" sz="1800">
+                <a:solidFill>
+                  <a:schemeClr val="lt1"/>
+                </a:solidFill>
+                <a:latin typeface="Calibri"/>
+                <a:ea typeface="Calibri"/>
+                <a:cs typeface="Calibri"/>
+                <a:sym typeface="Calibri"/>
+              </a:rPr>
+              <a:t>ina Sanchez, Janiz Carreño, Nicolás Rocha</a:t>
             </a:r>
             <a:br>
               <a:rPr b="0" i="0" lang="es-419" sz="1800" u="none" cap="none" strike="noStrike">
@@ -16680,7 +16692,7 @@
                 <a:cs typeface="Calibri"/>
                 <a:sym typeface="Calibri"/>
               </a:rPr>
-              <a:t>Docente	:</a:t>
+              <a:t>Docente	:Christ</a:t>
             </a:r>
             <a:endParaRPr b="0" i="0" sz="4000" u="none" cap="none" strike="noStrike">
               <a:solidFill>
@@ -16714,7 +16726,7 @@
     </p:bg>
     <p:spTree>
       <p:nvGrpSpPr>
-        <p:cNvPr id="182" name="Shape 182"/>
+        <p:cNvPr id="180" name="Shape 180"/>
         <p:cNvGrpSpPr/>
         <p:nvPr/>
       </p:nvGrpSpPr>
@@ -16728,7 +16740,7 @@
       </p:grpSpPr>
       <p:sp>
         <p:nvSpPr>
-          <p:cNvPr id="183" name="Google Shape;183;g385911a7e0a_0_24"/>
+          <p:cNvPr id="181" name="Google Shape;181;g385911a7e0a_0_24"/>
           <p:cNvSpPr/>
           <p:nvPr/>
         </p:nvSpPr>
@@ -16787,7 +16799,7 @@
       </p:sp>
       <p:sp>
         <p:nvSpPr>
-          <p:cNvPr id="184" name="Google Shape;184;g385911a7e0a_0_24"/>
+          <p:cNvPr id="182" name="Google Shape;182;g385911a7e0a_0_24"/>
           <p:cNvSpPr txBox="1"/>
           <p:nvPr>
             <p:ph type="title"/>
@@ -16844,7 +16856,7 @@
       </p:sp>
       <p:sp>
         <p:nvSpPr>
-          <p:cNvPr id="185" name="Google Shape;185;g385911a7e0a_0_24"/>
+          <p:cNvPr id="183" name="Google Shape;183;g385911a7e0a_0_24"/>
           <p:cNvSpPr/>
           <p:nvPr/>
         </p:nvSpPr>
@@ -17043,7 +17055,7 @@
       </p:sp>
       <p:pic>
         <p:nvPicPr>
-          <p:cNvPr id="186" name="Google Shape;186;g385911a7e0a_0_24"/>
+          <p:cNvPr id="184" name="Google Shape;184;g385911a7e0a_0_24"/>
           <p:cNvPicPr preferRelativeResize="0"/>
           <p:nvPr/>
         </p:nvPicPr>
@@ -17178,7 +17190,7 @@
       </p:pic>
       <p:grpSp>
         <p:nvGrpSpPr>
-          <p:cNvPr id="187" name="Google Shape;187;g385911a7e0a_0_24"/>
+          <p:cNvPr id="185" name="Google Shape;185;g385911a7e0a_0_24"/>
           <p:cNvGrpSpPr/>
           <p:nvPr/>
         </p:nvGrpSpPr>
@@ -17192,7 +17204,7 @@
         </p:grpSpPr>
         <p:sp>
           <p:nvSpPr>
-            <p:cNvPr id="188" name="Google Shape;188;g385911a7e0a_0_24"/>
+            <p:cNvPr id="186" name="Google Shape;186;g385911a7e0a_0_24"/>
             <p:cNvSpPr/>
             <p:nvPr/>
           </p:nvSpPr>
@@ -17264,7 +17276,7 @@
         </p:sp>
         <p:sp>
           <p:nvSpPr>
-            <p:cNvPr id="189" name="Google Shape;189;g385911a7e0a_0_24"/>
+            <p:cNvPr id="187" name="Google Shape;187;g385911a7e0a_0_24"/>
             <p:cNvSpPr txBox="1"/>
             <p:nvPr/>
           </p:nvSpPr>
@@ -17350,7 +17362,7 @@
         </p:sp>
         <p:sp>
           <p:nvSpPr>
-            <p:cNvPr id="190" name="Google Shape;190;g385911a7e0a_0_24"/>
+            <p:cNvPr id="188" name="Google Shape;188;g385911a7e0a_0_24"/>
             <p:cNvSpPr/>
             <p:nvPr/>
           </p:nvSpPr>
@@ -17417,7 +17429,7 @@
         </p:sp>
         <p:sp>
           <p:nvSpPr>
-            <p:cNvPr id="191" name="Google Shape;191;g385911a7e0a_0_24"/>
+            <p:cNvPr id="189" name="Google Shape;189;g385911a7e0a_0_24"/>
             <p:cNvSpPr txBox="1"/>
             <p:nvPr/>
           </p:nvSpPr>
@@ -17479,7 +17491,7 @@
         </p:sp>
         <p:sp>
           <p:nvSpPr>
-            <p:cNvPr id="192" name="Google Shape;192;g385911a7e0a_0_24"/>
+            <p:cNvPr id="190" name="Google Shape;190;g385911a7e0a_0_24"/>
             <p:cNvSpPr/>
             <p:nvPr/>
           </p:nvSpPr>
@@ -17551,7 +17563,7 @@
         </p:sp>
         <p:sp>
           <p:nvSpPr>
-            <p:cNvPr id="193" name="Google Shape;193;g385911a7e0a_0_24"/>
+            <p:cNvPr id="191" name="Google Shape;191;g385911a7e0a_0_24"/>
             <p:cNvSpPr txBox="1"/>
             <p:nvPr/>
           </p:nvSpPr>
@@ -17637,7 +17649,7 @@
         </p:sp>
         <p:sp>
           <p:nvSpPr>
-            <p:cNvPr id="194" name="Google Shape;194;g385911a7e0a_0_24"/>
+            <p:cNvPr id="192" name="Google Shape;192;g385911a7e0a_0_24"/>
             <p:cNvSpPr/>
             <p:nvPr/>
           </p:nvSpPr>
@@ -17704,7 +17716,7 @@
         </p:sp>
         <p:sp>
           <p:nvSpPr>
-            <p:cNvPr id="195" name="Google Shape;195;g385911a7e0a_0_24"/>
+            <p:cNvPr id="193" name="Google Shape;193;g385911a7e0a_0_24"/>
             <p:cNvSpPr txBox="1"/>
             <p:nvPr/>
           </p:nvSpPr>
@@ -17766,7 +17778,7 @@
         </p:sp>
         <p:sp>
           <p:nvSpPr>
-            <p:cNvPr id="196" name="Google Shape;196;g385911a7e0a_0_24"/>
+            <p:cNvPr id="194" name="Google Shape;194;g385911a7e0a_0_24"/>
             <p:cNvSpPr/>
             <p:nvPr/>
           </p:nvSpPr>
@@ -17838,7 +17850,7 @@
         </p:sp>
         <p:sp>
           <p:nvSpPr>
-            <p:cNvPr id="197" name="Google Shape;197;g385911a7e0a_0_24"/>
+            <p:cNvPr id="195" name="Google Shape;195;g385911a7e0a_0_24"/>
             <p:cNvSpPr txBox="1"/>
             <p:nvPr/>
           </p:nvSpPr>
@@ -17924,7 +17936,7 @@
         </p:sp>
         <p:sp>
           <p:nvSpPr>
-            <p:cNvPr id="198" name="Google Shape;198;g385911a7e0a_0_24"/>
+            <p:cNvPr id="196" name="Google Shape;196;g385911a7e0a_0_24"/>
             <p:cNvSpPr/>
             <p:nvPr/>
           </p:nvSpPr>
@@ -17991,7 +18003,7 @@
         </p:sp>
         <p:sp>
           <p:nvSpPr>
-            <p:cNvPr id="199" name="Google Shape;199;g385911a7e0a_0_24"/>
+            <p:cNvPr id="197" name="Google Shape;197;g385911a7e0a_0_24"/>
             <p:cNvSpPr txBox="1"/>
             <p:nvPr/>
           </p:nvSpPr>
@@ -18053,7 +18065,7 @@
         </p:sp>
         <p:sp>
           <p:nvSpPr>
-            <p:cNvPr id="200" name="Google Shape;200;g385911a7e0a_0_24"/>
+            <p:cNvPr id="198" name="Google Shape;198;g385911a7e0a_0_24"/>
             <p:cNvSpPr/>
             <p:nvPr/>
           </p:nvSpPr>
@@ -18125,7 +18137,7 @@
         </p:sp>
         <p:sp>
           <p:nvSpPr>
-            <p:cNvPr id="201" name="Google Shape;201;g385911a7e0a_0_24"/>
+            <p:cNvPr id="199" name="Google Shape;199;g385911a7e0a_0_24"/>
             <p:cNvSpPr txBox="1"/>
             <p:nvPr/>
           </p:nvSpPr>
@@ -18191,7 +18203,7 @@
         </p:sp>
         <p:sp>
           <p:nvSpPr>
-            <p:cNvPr id="202" name="Google Shape;202;g385911a7e0a_0_24"/>
+            <p:cNvPr id="200" name="Google Shape;200;g385911a7e0a_0_24"/>
             <p:cNvSpPr/>
             <p:nvPr/>
           </p:nvSpPr>
@@ -18258,7 +18270,7 @@
         </p:sp>
         <p:sp>
           <p:nvSpPr>
-            <p:cNvPr id="203" name="Google Shape;203;g385911a7e0a_0_24"/>
+            <p:cNvPr id="201" name="Google Shape;201;g385911a7e0a_0_24"/>
             <p:cNvSpPr txBox="1"/>
             <p:nvPr/>
           </p:nvSpPr>
@@ -18339,7 +18351,7 @@
     </p:bg>
     <p:spTree>
       <p:nvGrpSpPr>
-        <p:cNvPr id="207" name="Shape 207"/>
+        <p:cNvPr id="205" name="Shape 205"/>
         <p:cNvGrpSpPr/>
         <p:nvPr/>
       </p:nvGrpSpPr>
@@ -18353,7 +18365,7 @@
       </p:grpSpPr>
       <p:sp>
         <p:nvSpPr>
-          <p:cNvPr id="208" name="Google Shape;208;g300c6dcdfd3_0_8"/>
+          <p:cNvPr id="206" name="Google Shape;206;g300c6dcdfd3_0_8"/>
           <p:cNvSpPr/>
           <p:nvPr/>
         </p:nvSpPr>
@@ -18412,7 +18424,7 @@
       </p:sp>
       <p:sp>
         <p:nvSpPr>
-          <p:cNvPr id="209" name="Google Shape;209;g300c6dcdfd3_0_8"/>
+          <p:cNvPr id="207" name="Google Shape;207;g300c6dcdfd3_0_8"/>
           <p:cNvSpPr txBox="1"/>
           <p:nvPr>
             <p:ph type="title"/>
@@ -18437,7 +18449,7 @@
           </a:bodyPr>
           <a:lstStyle/>
           <a:p>
-            <a:pPr indent="-342900" lvl="0" marL="342900" rtl="0" algn="l">
+            <a:pPr indent="0" lvl="0" marL="0" rtl="0" algn="l">
               <a:lnSpc>
                 <a:spcPct val="120000"/>
               </a:lnSpc>
@@ -18447,9 +18459,7 @@
               <a:spcAft>
                 <a:spcPts val="600"/>
               </a:spcAft>
-              <a:buSzPts val="1800"/>
-              <a:buFont typeface="Arial"/>
-              <a:buChar char="•"/>
+              <a:buNone/>
             </a:pPr>
             <a:r>
               <a:rPr lang="es-419" sz="2800">
@@ -18466,7 +18476,7 @@
       </p:sp>
       <p:sp>
         <p:nvSpPr>
-          <p:cNvPr id="210" name="Google Shape;210;g300c6dcdfd3_0_8"/>
+          <p:cNvPr id="208" name="Google Shape;208;g300c6dcdfd3_0_8"/>
           <p:cNvSpPr/>
           <p:nvPr/>
         </p:nvSpPr>
@@ -18665,7 +18675,7 @@
       </p:sp>
       <p:pic>
         <p:nvPicPr>
-          <p:cNvPr id="211" name="Google Shape;211;g300c6dcdfd3_0_8"/>
+          <p:cNvPr id="209" name="Google Shape;209;g300c6dcdfd3_0_8"/>
           <p:cNvPicPr preferRelativeResize="0"/>
           <p:nvPr/>
         </p:nvPicPr>
@@ -18800,7 +18810,7 @@
       </p:pic>
       <p:sp>
         <p:nvSpPr>
-          <p:cNvPr id="212" name="Google Shape;212;g300c6dcdfd3_0_8"/>
+          <p:cNvPr id="210" name="Google Shape;210;g300c6dcdfd3_0_8"/>
           <p:cNvSpPr txBox="1"/>
           <p:nvPr/>
         </p:nvSpPr>
@@ -18929,7 +18939,7 @@
     </p:bg>
     <p:spTree>
       <p:nvGrpSpPr>
-        <p:cNvPr id="216" name="Shape 216"/>
+        <p:cNvPr id="214" name="Shape 214"/>
         <p:cNvGrpSpPr/>
         <p:nvPr/>
       </p:nvGrpSpPr>
@@ -18943,7 +18953,7 @@
       </p:grpSpPr>
       <p:sp>
         <p:nvSpPr>
-          <p:cNvPr id="217" name="Google Shape;217;p11"/>
+          <p:cNvPr id="215" name="Google Shape;215;p11"/>
           <p:cNvSpPr/>
           <p:nvPr/>
         </p:nvSpPr>
@@ -19002,7 +19012,7 @@
       </p:sp>
       <p:sp>
         <p:nvSpPr>
-          <p:cNvPr id="218" name="Google Shape;218;p11"/>
+          <p:cNvPr id="216" name="Google Shape;216;p11"/>
           <p:cNvSpPr txBox="1"/>
           <p:nvPr>
             <p:ph type="title"/>
@@ -19058,7 +19068,7 @@
       </p:sp>
       <p:sp>
         <p:nvSpPr>
-          <p:cNvPr id="219" name="Google Shape;219;p11"/>
+          <p:cNvPr id="217" name="Google Shape;217;p11"/>
           <p:cNvSpPr/>
           <p:nvPr/>
         </p:nvSpPr>
@@ -19257,7 +19267,7 @@
       </p:sp>
       <p:pic>
         <p:nvPicPr>
-          <p:cNvPr id="220" name="Google Shape;220;p11"/>
+          <p:cNvPr id="218" name="Google Shape;218;p11"/>
           <p:cNvPicPr preferRelativeResize="0"/>
           <p:nvPr/>
         </p:nvPicPr>
@@ -19392,7 +19402,7 @@
       </p:pic>
       <p:sp>
         <p:nvSpPr>
-          <p:cNvPr id="221" name="Google Shape;221;p11"/>
+          <p:cNvPr id="219" name="Google Shape;219;p11"/>
           <p:cNvSpPr txBox="1"/>
           <p:nvPr/>
         </p:nvSpPr>
@@ -19688,7 +19698,7 @@
     </p:bg>
     <p:spTree>
       <p:nvGrpSpPr>
-        <p:cNvPr id="225" name="Shape 225"/>
+        <p:cNvPr id="223" name="Shape 223"/>
         <p:cNvGrpSpPr/>
         <p:nvPr/>
       </p:nvGrpSpPr>
@@ -19702,7 +19712,7 @@
       </p:grpSpPr>
       <p:sp>
         <p:nvSpPr>
-          <p:cNvPr id="226" name="Google Shape;226;p12"/>
+          <p:cNvPr id="224" name="Google Shape;224;p12"/>
           <p:cNvSpPr/>
           <p:nvPr/>
         </p:nvSpPr>
@@ -19761,7 +19771,7 @@
       </p:sp>
       <p:sp>
         <p:nvSpPr>
-          <p:cNvPr id="227" name="Google Shape;227;p12"/>
+          <p:cNvPr id="225" name="Google Shape;225;p12"/>
           <p:cNvSpPr txBox="1"/>
           <p:nvPr>
             <p:ph type="title"/>
@@ -19818,7 +19828,7 @@
       </p:sp>
       <p:sp>
         <p:nvSpPr>
-          <p:cNvPr id="228" name="Google Shape;228;p12"/>
+          <p:cNvPr id="226" name="Google Shape;226;p12"/>
           <p:cNvSpPr/>
           <p:nvPr/>
         </p:nvSpPr>
@@ -20017,7 +20027,7 @@
       </p:sp>
       <p:pic>
         <p:nvPicPr>
-          <p:cNvPr id="229" name="Google Shape;229;p12"/>
+          <p:cNvPr id="227" name="Google Shape;227;p12"/>
           <p:cNvPicPr preferRelativeResize="0"/>
           <p:nvPr/>
         </p:nvPicPr>
@@ -20152,14 +20162,14 @@
       </p:pic>
       <p:sp>
         <p:nvSpPr>
-          <p:cNvPr id="230" name="Google Shape;230;p12"/>
+          <p:cNvPr id="228" name="Google Shape;228;p12"/>
           <p:cNvSpPr txBox="1"/>
           <p:nvPr/>
         </p:nvSpPr>
         <p:spPr>
           <a:xfrm>
-            <a:off x="640080" y="2872899"/>
-            <a:ext cx="4670097" cy="3320668"/>
+            <a:off x="640075" y="2872900"/>
+            <a:ext cx="4670100" cy="3770100"/>
           </a:xfrm>
           <a:prstGeom prst="rect">
             <a:avLst/>
@@ -20171,11 +20181,11 @@
         </p:spPr>
         <p:txBody>
           <a:bodyPr anchorCtr="0" anchor="t" bIns="45700" lIns="91425" spcFirstLastPara="1" rIns="91425" wrap="square" tIns="45700">
-            <a:normAutofit lnSpcReduction="10000"/>
+            <a:normAutofit lnSpcReduction="20000"/>
           </a:bodyPr>
           <a:lstStyle/>
           <a:p>
-            <a:pPr indent="-457200" lvl="0" marL="457200" marR="0" rtl="0" algn="l">
+            <a:pPr indent="-355600" lvl="0" marL="457200" marR="0" rtl="0" algn="l">
               <a:lnSpc>
                 <a:spcPct val="90000"/>
               </a:lnSpc>
@@ -20186,11 +20196,11 @@
                 <a:spcPts val="0"/>
               </a:spcAft>
               <a:buClr>
-                <a:srgbClr val="000000"/>
+                <a:schemeClr val="dk1"/>
               </a:buClr>
               <a:buSzPts val="2000"/>
               <a:buFont typeface="Arial"/>
-              <a:buChar char="•"/>
+              <a:buChar char="●"/>
             </a:pPr>
             <a:r>
               <a:rPr b="0" i="0" lang="es-419" sz="2000" u="none" cap="none" strike="noStrike">
@@ -20202,7 +20212,7 @@
                 <a:cs typeface="Arial"/>
                 <a:sym typeface="Arial"/>
               </a:rPr>
-              <a:t>Inserte Tecnologías de Desarrollo</a:t>
+              <a:t>Tecnologías de Desarrollo</a:t>
             </a:r>
             <a:endParaRPr b="0" i="0" sz="2000" u="none" cap="none" strike="noStrike">
               <a:solidFill>
@@ -20225,15 +20235,118 @@
               <a:spcAft>
                 <a:spcPts val="0"/>
               </a:spcAft>
-              <a:buClr>
-                <a:srgbClr val="000000"/>
-              </a:buClr>
-              <a:buSzPts val="2000"/>
-              <a:buFont typeface="Arial"/>
               <a:buNone/>
             </a:pPr>
             <a:r>
               <a:t/>
+            </a:r>
+            <a:endParaRPr sz="2000">
+              <a:solidFill>
+                <a:schemeClr val="dk1"/>
+              </a:solidFill>
+            </a:endParaRPr>
+          </a:p>
+          <a:p>
+            <a:pPr indent="0" lvl="0" marL="0" marR="0" rtl="0" algn="l">
+              <a:lnSpc>
+                <a:spcPct val="90000"/>
+              </a:lnSpc>
+              <a:spcBef>
+                <a:spcPts val="0"/>
+              </a:spcBef>
+              <a:spcAft>
+                <a:spcPts val="0"/>
+              </a:spcAft>
+              <a:buNone/>
+            </a:pPr>
+            <a:r>
+              <a:rPr lang="es-419" sz="2000">
+                <a:solidFill>
+                  <a:schemeClr val="dk1"/>
+                </a:solidFill>
+              </a:rPr>
+              <a:t>Microsoft Azure</a:t>
+            </a:r>
+            <a:endParaRPr sz="2000">
+              <a:solidFill>
+                <a:schemeClr val="dk1"/>
+              </a:solidFill>
+            </a:endParaRPr>
+          </a:p>
+          <a:p>
+            <a:pPr indent="0" lvl="0" marL="0" marR="0" rtl="0" algn="l">
+              <a:lnSpc>
+                <a:spcPct val="90000"/>
+              </a:lnSpc>
+              <a:spcBef>
+                <a:spcPts val="0"/>
+              </a:spcBef>
+              <a:spcAft>
+                <a:spcPts val="0"/>
+              </a:spcAft>
+              <a:buNone/>
+            </a:pPr>
+            <a:r>
+              <a:rPr lang="es-419" sz="2000">
+                <a:solidFill>
+                  <a:schemeClr val="dk1"/>
+                </a:solidFill>
+              </a:rPr>
+              <a:t>Vercel</a:t>
+            </a:r>
+            <a:endParaRPr sz="2000">
+              <a:solidFill>
+                <a:schemeClr val="dk1"/>
+              </a:solidFill>
+            </a:endParaRPr>
+          </a:p>
+          <a:p>
+            <a:pPr indent="0" lvl="0" marL="0" marR="0" rtl="0" algn="l">
+              <a:lnSpc>
+                <a:spcPct val="90000"/>
+              </a:lnSpc>
+              <a:spcBef>
+                <a:spcPts val="0"/>
+              </a:spcBef>
+              <a:spcAft>
+                <a:spcPts val="0"/>
+              </a:spcAft>
+              <a:buNone/>
+            </a:pPr>
+            <a:r>
+              <a:rPr lang="es-419" sz="2000">
+                <a:solidFill>
+                  <a:schemeClr val="dk1"/>
+                </a:solidFill>
+              </a:rPr>
+              <a:t>Django</a:t>
+            </a:r>
+            <a:endParaRPr sz="2000">
+              <a:solidFill>
+                <a:schemeClr val="dk1"/>
+              </a:solidFill>
+            </a:endParaRPr>
+          </a:p>
+          <a:p>
+            <a:pPr indent="0" lvl="0" marL="0" marR="0" rtl="0" algn="l">
+              <a:lnSpc>
+                <a:spcPct val="90000"/>
+              </a:lnSpc>
+              <a:spcBef>
+                <a:spcPts val="0"/>
+              </a:spcBef>
+              <a:spcAft>
+                <a:spcPts val="0"/>
+              </a:spcAft>
+              <a:buNone/>
+            </a:pPr>
+            <a:r>
+              <a:rPr lang="es-419" sz="2000">
+                <a:solidFill>
+                  <a:schemeClr val="dk1"/>
+                </a:solidFill>
+              </a:rPr>
+              <a:t>MariaDB</a:t>
             </a:r>
             <a:endParaRPr b="0" i="0" sz="2000" u="none" cap="none" strike="noStrike">
               <a:solidFill>
@@ -20291,9 +20404,16 @@
                 <a:schemeClr val="dk1"/>
               </a:buClr>
               <a:buSzPts val="2000"/>
-              <a:buFont typeface="Arial"/>
               <a:buChar char="●"/>
             </a:pPr>
+            <a:r>
+              <a:rPr lang="es-419" sz="2000">
+                <a:solidFill>
+                  <a:schemeClr val="dk1"/>
+                </a:solidFill>
+              </a:rPr>
+              <a:t>T</a:t>
+            </a:r>
             <a:r>
               <a:rPr b="0" i="0" lang="es-419" sz="2000" u="none" cap="none" strike="noStrike">
                 <a:solidFill>
@@ -20304,7 +20424,7 @@
                 <a:cs typeface="Arial"/>
                 <a:sym typeface="Arial"/>
               </a:rPr>
-              <a:t>Inserte tecnologías github y trello (Jira)</a:t>
+              <a:t>ecnologías github y trello (Jira)</a:t>
             </a:r>
             <a:endParaRPr b="0" i="0" sz="2000" u="none" cap="none" strike="noStrike">
               <a:solidFill>
@@ -20317,25 +20437,144 @@
             </a:endParaRPr>
           </a:p>
           <a:p>
-            <a:pPr indent="-330200" lvl="0" marL="457200" marR="0" rtl="0" algn="l">
+            <a:pPr indent="0" lvl="0" marL="0" marR="0" rtl="0" algn="l">
               <a:lnSpc>
                 <a:spcPct val="90000"/>
               </a:lnSpc>
               <a:spcBef>
-                <a:spcPts val="600"/>
-              </a:spcBef>
-              <a:spcAft>
-                <a:spcPts val="0"/>
-              </a:spcAft>
-              <a:buClr>
-                <a:srgbClr val="000000"/>
-              </a:buClr>
-              <a:buSzPts val="2000"/>
-              <a:buFont typeface="Arial"/>
+                <a:spcPts val="0"/>
+              </a:spcBef>
+              <a:spcAft>
+                <a:spcPts val="0"/>
+              </a:spcAft>
               <a:buNone/>
             </a:pPr>
             <a:r>
               <a:t/>
+            </a:r>
+            <a:endParaRPr sz="2000">
+              <a:solidFill>
+                <a:schemeClr val="dk1"/>
+              </a:solidFill>
+            </a:endParaRPr>
+          </a:p>
+          <a:p>
+            <a:pPr indent="0" lvl="0" marL="0" marR="0" rtl="0" algn="l">
+              <a:lnSpc>
+                <a:spcPct val="90000"/>
+              </a:lnSpc>
+              <a:spcBef>
+                <a:spcPts val="0"/>
+              </a:spcBef>
+              <a:spcAft>
+                <a:spcPts val="0"/>
+              </a:spcAft>
+              <a:buNone/>
+            </a:pPr>
+            <a:r>
+              <a:rPr lang="es-419" sz="2000" u="sng">
+                <a:solidFill>
+                  <a:schemeClr val="hlink"/>
+                </a:solidFill>
+                <a:hlinkClick r:id="rId4"/>
+              </a:rPr>
+              <a:t>Repo GitHub</a:t>
+            </a:r>
+            <a:endParaRPr sz="2000">
+              <a:solidFill>
+                <a:schemeClr val="dk1"/>
+              </a:solidFill>
+            </a:endParaRPr>
+          </a:p>
+          <a:p>
+            <a:pPr indent="0" lvl="0" marL="0" marR="0" rtl="0" algn="l">
+              <a:lnSpc>
+                <a:spcPct val="90000"/>
+              </a:lnSpc>
+              <a:spcBef>
+                <a:spcPts val="600"/>
+              </a:spcBef>
+              <a:spcAft>
+                <a:spcPts val="0"/>
+              </a:spcAft>
+              <a:buClr>
+                <a:srgbClr val="000000"/>
+              </a:buClr>
+              <a:buSzPts val="2000"/>
+              <a:buFont typeface="Arial"/>
+              <a:buNone/>
+            </a:pPr>
+            <a:r>
+              <a:rPr lang="es-419" sz="2000" u="sng">
+                <a:solidFill>
+                  <a:schemeClr val="hlink"/>
+                </a:solidFill>
+                <a:hlinkClick r:id="rId5"/>
+              </a:rPr>
+              <a:t>Product backlog Jira</a:t>
+            </a:r>
+            <a:endParaRPr sz="2000">
+              <a:solidFill>
+                <a:schemeClr val="dk1"/>
+              </a:solidFill>
+            </a:endParaRPr>
+          </a:p>
+          <a:p>
+            <a:pPr indent="0" lvl="0" marL="0" marR="0" rtl="0" algn="l">
+              <a:lnSpc>
+                <a:spcPct val="90000"/>
+              </a:lnSpc>
+              <a:spcBef>
+                <a:spcPts val="600"/>
+              </a:spcBef>
+              <a:spcAft>
+                <a:spcPts val="0"/>
+              </a:spcAft>
+              <a:buClr>
+                <a:srgbClr val="000000"/>
+              </a:buClr>
+              <a:buSzPts val="2000"/>
+              <a:buFont typeface="Arial"/>
+              <a:buNone/>
+            </a:pPr>
+            <a:r>
+              <a:t/>
+            </a:r>
+            <a:endParaRPr sz="2000">
+              <a:solidFill>
+                <a:schemeClr val="dk1"/>
+              </a:solidFill>
+            </a:endParaRPr>
+          </a:p>
+          <a:p>
+            <a:pPr indent="-355600" lvl="0" marL="457200" marR="0" rtl="0" algn="l">
+              <a:lnSpc>
+                <a:spcPct val="90000"/>
+              </a:lnSpc>
+              <a:spcBef>
+                <a:spcPts val="600"/>
+              </a:spcBef>
+              <a:spcAft>
+                <a:spcPts val="0"/>
+              </a:spcAft>
+              <a:buClr>
+                <a:schemeClr val="dk1"/>
+              </a:buClr>
+              <a:buSzPts val="2000"/>
+              <a:buFont typeface="Arial"/>
+              <a:buChar char="●"/>
+            </a:pPr>
+            <a:r>
+              <a:rPr b="0" i="0" lang="es-419" sz="2000" u="none" cap="none" strike="noStrike">
+                <a:solidFill>
+                  <a:schemeClr val="dk1"/>
+                </a:solidFill>
+                <a:latin typeface="Arial"/>
+                <a:ea typeface="Arial"/>
+                <a:cs typeface="Arial"/>
+                <a:sym typeface="Arial"/>
+              </a:rPr>
+              <a:t>Tecnologías de Implementación</a:t>
             </a:r>
             <a:endParaRPr b="0" i="0" sz="2000" u="none" cap="none" strike="noStrike">
               <a:solidFill>
@@ -20348,7 +20587,7 @@
             </a:endParaRPr>
           </a:p>
           <a:p>
-            <a:pPr indent="-330200" lvl="0" marL="457200" marR="0" rtl="0" algn="l">
+            <a:pPr indent="0" lvl="0" marL="0" marR="0" rtl="0" algn="l">
               <a:lnSpc>
                 <a:spcPct val="90000"/>
               </a:lnSpc>
@@ -20358,28 +20597,19 @@
               <a:spcAft>
                 <a:spcPts val="0"/>
               </a:spcAft>
-              <a:buClr>
-                <a:srgbClr val="000000"/>
-              </a:buClr>
-              <a:buSzPts val="2000"/>
-              <a:buFont typeface="Arial"/>
               <a:buNone/>
             </a:pPr>
             <a:r>
               <a:t/>
             </a:r>
-            <a:endParaRPr b="0" i="0" sz="2000" u="none" cap="none" strike="noStrike">
+            <a:endParaRPr sz="2000">
               <a:solidFill>
                 <a:schemeClr val="dk1"/>
               </a:solidFill>
-              <a:latin typeface="Arial"/>
-              <a:ea typeface="Arial"/>
-              <a:cs typeface="Arial"/>
-              <a:sym typeface="Arial"/>
             </a:endParaRPr>
           </a:p>
           <a:p>
-            <a:pPr indent="-330200" lvl="0" marL="457200" marR="0" rtl="0" algn="l">
+            <a:pPr indent="0" lvl="0" marL="0" marR="0" rtl="0" algn="l">
               <a:lnSpc>
                 <a:spcPct val="90000"/>
               </a:lnSpc>
@@ -20389,95 +20619,20 @@
               <a:spcAft>
                 <a:spcPts val="0"/>
               </a:spcAft>
-              <a:buClr>
-                <a:srgbClr val="000000"/>
-              </a:buClr>
-              <a:buSzPts val="2000"/>
-              <a:buFont typeface="Arial"/>
               <a:buNone/>
             </a:pPr>
             <a:r>
-              <a:t/>
+              <a:rPr lang="es-419" sz="2000">
+                <a:solidFill>
+                  <a:schemeClr val="dk1"/>
+                </a:solidFill>
+              </a:rPr>
+              <a:t>API de pago Transbank/Webpay</a:t>
             </a:r>
-            <a:endParaRPr b="0" i="0" sz="2000" u="none" cap="none" strike="noStrike">
+            <a:endParaRPr sz="2000">
               <a:solidFill>
                 <a:schemeClr val="dk1"/>
               </a:solidFill>
-              <a:latin typeface="Arial"/>
-              <a:ea typeface="Arial"/>
-              <a:cs typeface="Arial"/>
-              <a:sym typeface="Arial"/>
-            </a:endParaRPr>
-          </a:p>
-          <a:p>
-            <a:pPr indent="-330200" lvl="0" marL="457200" marR="0" rtl="0" algn="l">
-              <a:lnSpc>
-                <a:spcPct val="90000"/>
-              </a:lnSpc>
-              <a:spcBef>
-                <a:spcPts val="600"/>
-              </a:spcBef>
-              <a:spcAft>
-                <a:spcPts val="0"/>
-              </a:spcAft>
-              <a:buClr>
-                <a:srgbClr val="000000"/>
-              </a:buClr>
-              <a:buSzPts val="2000"/>
-              <a:buFont typeface="Arial"/>
-              <a:buNone/>
-            </a:pPr>
-            <a:r>
-              <a:t/>
-            </a:r>
-            <a:endParaRPr b="0" i="0" sz="2000" u="none" cap="none" strike="noStrike">
-              <a:solidFill>
-                <a:schemeClr val="dk1"/>
-              </a:solidFill>
-              <a:latin typeface="Arial"/>
-              <a:ea typeface="Arial"/>
-              <a:cs typeface="Arial"/>
-              <a:sym typeface="Arial"/>
-            </a:endParaRPr>
-          </a:p>
-          <a:p>
-            <a:pPr indent="-457200" lvl="0" marL="457200" marR="0" rtl="0" algn="l">
-              <a:lnSpc>
-                <a:spcPct val="90000"/>
-              </a:lnSpc>
-              <a:spcBef>
-                <a:spcPts val="600"/>
-              </a:spcBef>
-              <a:spcAft>
-                <a:spcPts val="0"/>
-              </a:spcAft>
-              <a:buClr>
-                <a:srgbClr val="000000"/>
-              </a:buClr>
-              <a:buSzPts val="2000"/>
-              <a:buFont typeface="Arial"/>
-              <a:buChar char="•"/>
-            </a:pPr>
-            <a:r>
-              <a:rPr b="0" i="0" lang="es-419" sz="2000" u="none" cap="none" strike="noStrike">
-                <a:solidFill>
-                  <a:schemeClr val="dk1"/>
-                </a:solidFill>
-                <a:latin typeface="Arial"/>
-                <a:ea typeface="Arial"/>
-                <a:cs typeface="Arial"/>
-                <a:sym typeface="Arial"/>
-              </a:rPr>
-              <a:t>Inserte Tecnologías de Implementación</a:t>
-            </a:r>
-            <a:endParaRPr b="0" i="0" sz="1400" u="none" cap="none" strike="noStrike">
-              <a:solidFill>
-                <a:srgbClr val="000000"/>
-              </a:solidFill>
-              <a:latin typeface="Arial"/>
-              <a:ea typeface="Arial"/>
-              <a:cs typeface="Arial"/>
-              <a:sym typeface="Arial"/>
             </a:endParaRPr>
           </a:p>
         </p:txBody>
@@ -20502,7 +20657,7 @@
     </p:bg>
     <p:spTree>
       <p:nvGrpSpPr>
-        <p:cNvPr id="234" name="Shape 234"/>
+        <p:cNvPr id="232" name="Shape 232"/>
         <p:cNvGrpSpPr/>
         <p:nvPr/>
       </p:nvGrpSpPr>
@@ -20516,7 +20671,7 @@
       </p:grpSpPr>
       <p:sp>
         <p:nvSpPr>
-          <p:cNvPr id="235" name="Google Shape;235;g300c6dcdfd3_0_33"/>
+          <p:cNvPr id="233" name="Google Shape;233;g300c6dcdfd3_0_33"/>
           <p:cNvSpPr/>
           <p:nvPr/>
         </p:nvSpPr>
@@ -20575,7 +20730,7 @@
       </p:sp>
       <p:sp>
         <p:nvSpPr>
-          <p:cNvPr id="236" name="Google Shape;236;g300c6dcdfd3_0_33"/>
+          <p:cNvPr id="234" name="Google Shape;234;g300c6dcdfd3_0_33"/>
           <p:cNvSpPr txBox="1"/>
           <p:nvPr>
             <p:ph type="title"/>
@@ -20629,7 +20784,7 @@
       </p:sp>
       <p:sp>
         <p:nvSpPr>
-          <p:cNvPr id="237" name="Google Shape;237;g300c6dcdfd3_0_33"/>
+          <p:cNvPr id="235" name="Google Shape;235;g300c6dcdfd3_0_33"/>
           <p:cNvSpPr/>
           <p:nvPr/>
         </p:nvSpPr>
@@ -20828,7 +20983,7 @@
       </p:sp>
       <p:pic>
         <p:nvPicPr>
-          <p:cNvPr id="238" name="Google Shape;238;g300c6dcdfd3_0_33"/>
+          <p:cNvPr id="236" name="Google Shape;236;g300c6dcdfd3_0_33"/>
           <p:cNvPicPr preferRelativeResize="0"/>
           <p:nvPr/>
         </p:nvPicPr>
@@ -20963,7 +21118,7 @@
       </p:pic>
       <p:sp>
         <p:nvSpPr>
-          <p:cNvPr id="239" name="Google Shape;239;g300c6dcdfd3_0_33"/>
+          <p:cNvPr id="237" name="Google Shape;237;g300c6dcdfd3_0_33"/>
           <p:cNvSpPr txBox="1"/>
           <p:nvPr/>
         </p:nvSpPr>
@@ -21998,33 +22153,18 @@
             </a:endParaRPr>
           </a:p>
           <a:p>
-            <a:pPr indent="-314325" lvl="0" marL="342900" marR="0" rtl="0" algn="l">
-              <a:lnSpc>
-                <a:spcPct val="120000"/>
-              </a:lnSpc>
-              <a:spcBef>
-                <a:spcPts val="600"/>
-              </a:spcBef>
-              <a:spcAft>
-                <a:spcPts val="0"/>
-              </a:spcAft>
-              <a:buClr>
-                <a:schemeClr val="dk1"/>
-              </a:buClr>
-              <a:buSzPts val="1200"/>
-              <a:buFont typeface="Arial"/>
+            <a:pPr indent="-317500" lvl="0" marL="457200" rtl="0" algn="l">
+              <a:spcBef>
+                <a:spcPts val="0"/>
+              </a:spcBef>
+              <a:spcAft>
+                <a:spcPts val="0"/>
+              </a:spcAft>
+              <a:buSzPts val="1400"/>
               <a:buChar char="•"/>
             </a:pPr>
             <a:r>
-              <a:rPr b="0" i="0" lang="es-419" sz="1200" u="none" cap="none" strike="noStrike">
-                <a:solidFill>
-                  <a:schemeClr val="dk1"/>
-                </a:solidFill>
-                <a:latin typeface="Arial"/>
-                <a:ea typeface="Arial"/>
-                <a:cs typeface="Arial"/>
-                <a:sym typeface="Arial"/>
-              </a:rPr>
+              <a:rPr lang="es-419"/>
               <a:t>Principales Historias de Usuario por épicas</a:t>
             </a:r>
             <a:endParaRPr b="0" i="0" sz="1200" u="none" cap="none" strike="noStrike">
@@ -23073,19 +23213,35 @@
               <a:buClr>
                 <a:srgbClr val="000000"/>
               </a:buClr>
-              <a:buSzPct val="100000"/>
+              <a:buSzPct val="105714"/>
               <a:buFont typeface="Arial"/>
               <a:buNone/>
             </a:pPr>
             <a:r>
-              <a:rPr lang="es-419" sz="2000">
+              <a:rPr lang="es-419" sz="1891">
                 <a:solidFill>
                   <a:schemeClr val="dk1"/>
                 </a:solidFill>
               </a:rPr>
-              <a:t>Implementar una plataforma web e-commerce para Cordillera Pets que automatice los procesos de venta, gestión de productos y control de pedidos, optimizando la eficiencia operativa del negocio y mejorando significativamente la experiencia de compra de los clientes.</a:t>
+              <a:t>Implementar una plataforma web e-commerce para Cordillera Pets que automatice los procesos de venta, gestión de productos y control de pedidos, optimizando la eficiencia operativa del negocio y mejorando significativamente la experiencia de compra de los clientes. Posicionar al Cliente en el comercio </a:t>
             </a:r>
-            <a:endParaRPr sz="2000">
+            <a:r>
+              <a:rPr lang="es-419" sz="1891">
+                <a:solidFill>
+                  <a:schemeClr val="dk1"/>
+                </a:solidFill>
+              </a:rPr>
+              <a:t>electrónico</a:t>
+            </a:r>
+            <a:r>
+              <a:rPr lang="es-419" sz="1891">
+                <a:solidFill>
+                  <a:schemeClr val="dk1"/>
+                </a:solidFill>
+              </a:rPr>
+              <a:t>.</a:t>
+            </a:r>
+            <a:endParaRPr sz="1891">
               <a:solidFill>
                 <a:schemeClr val="dk1"/>
               </a:solidFill>
@@ -25094,8 +25250,8 @@
         </p:nvSpPr>
         <p:spPr>
           <a:xfrm>
-            <a:off x="640080" y="325369"/>
-            <a:ext cx="5156036" cy="1956841"/>
+            <a:off x="393605" y="78869"/>
+            <a:ext cx="5156100" cy="1956900"/>
           </a:xfrm>
           <a:prstGeom prst="rect">
             <a:avLst/>
@@ -25148,7 +25304,7 @@
         </p:nvSpPr>
         <p:spPr>
           <a:xfrm>
-            <a:off x="640080" y="2586994"/>
+            <a:off x="828580" y="2094044"/>
             <a:ext cx="3474720" cy="18288"/>
           </a:xfrm>
           <a:custGeom>
@@ -25339,16 +25495,136 @@
           </a:p>
         </p:txBody>
       </p:sp>
+      <p:pic>
+        <p:nvPicPr>
+          <p:cNvPr id="133" name="Google Shape;133;p8" title="mermaid-diagram-2025-09-09-131601.png"/>
+          <p:cNvPicPr preferRelativeResize="0"/>
+          <p:nvPr/>
+        </p:nvPicPr>
+        <p:blipFill rotWithShape="1">
+          <a:blip r:embed="rId3">
+            <a:alphaModFix/>
+          </a:blip>
+          <a:srcRect b="10877" l="0" r="0" t="10413"/>
+          <a:stretch/>
+        </p:blipFill>
+        <p:spPr>
+          <a:xfrm>
+            <a:off x="1352050" y="2330112"/>
+            <a:ext cx="9723551" cy="4727175"/>
+          </a:xfrm>
+          <a:prstGeom prst="rect">
+            <a:avLst/>
+          </a:prstGeom>
+          <a:noFill/>
+          <a:ln>
+            <a:noFill/>
+          </a:ln>
+        </p:spPr>
+      </p:pic>
+    </p:spTree>
+  </p:cSld>
+  <p:clrMapOvr>
+    <a:masterClrMapping/>
+  </p:clrMapOvr>
+</p:sld>
+</file>
+
+<file path=ppt/slides/slide7.xml><?xml version="1.0" encoding="utf-8"?>
+<p:sld xmlns:a="http://schemas.openxmlformats.org/drawingml/2006/main" xmlns:r="http://schemas.openxmlformats.org/officeDocument/2006/relationships" xmlns:mc="http://schemas.openxmlformats.org/markup-compatibility/2006" xmlns:mv="urn:schemas-microsoft-com:mac:vml" xmlns:p="http://schemas.openxmlformats.org/presentationml/2006/main" xmlns:c="http://schemas.openxmlformats.org/drawingml/2006/chart" xmlns:dgm="http://schemas.openxmlformats.org/drawingml/2006/diagram" xmlns:o="urn:schemas-microsoft-com:office:office" xmlns:v="urn:schemas-microsoft-com:vml" xmlns:pvml="urn:schemas-microsoft-com:office:powerpoint" xmlns:com="http://schemas.openxmlformats.org/drawingml/2006/compatibility" xmlns:p14="http://schemas.microsoft.com/office/powerpoint/2010/main" xmlns:p15="http://schemas.microsoft.com/office/powerpoint/2012/main" xmlns:ahyp="http://schemas.microsoft.com/office/drawing/2018/hyperlinkcolor">
+  <p:cSld>
+    <p:bg>
+      <p:bgPr>
+        <a:solidFill>
+          <a:schemeClr val="lt1"/>
+        </a:solidFill>
+      </p:bgPr>
+    </p:bg>
+    <p:spTree>
+      <p:nvGrpSpPr>
+        <p:cNvPr id="137" name="Shape 137"/>
+        <p:cNvGrpSpPr/>
+        <p:nvPr/>
+      </p:nvGrpSpPr>
+      <p:grpSpPr>
+        <a:xfrm>
+          <a:off x="0" y="0"/>
+          <a:ext cx="0" cy="0"/>
+          <a:chOff x="0" y="0"/>
+          <a:chExt cx="0" cy="0"/>
+        </a:xfrm>
+      </p:grpSpPr>
       <p:sp>
         <p:nvSpPr>
-          <p:cNvPr id="133" name="Google Shape;133;p8"/>
-          <p:cNvSpPr txBox="1"/>
+          <p:cNvPr id="138" name="Google Shape;138;p9"/>
+          <p:cNvSpPr/>
           <p:nvPr/>
         </p:nvSpPr>
         <p:spPr>
           <a:xfrm>
-            <a:off x="640081" y="2872899"/>
-            <a:ext cx="2958526" cy="3320668"/>
+            <a:off x="0" y="0"/>
+            <a:ext cx="12188952" cy="6858000"/>
+          </a:xfrm>
+          <a:prstGeom prst="rect">
+            <a:avLst/>
+          </a:prstGeom>
+          <a:solidFill>
+            <a:schemeClr val="lt1"/>
+          </a:solidFill>
+          <a:ln>
+            <a:noFill/>
+          </a:ln>
+        </p:spPr>
+        <p:txBody>
+          <a:bodyPr anchorCtr="0" anchor="ctr" bIns="45700" lIns="91425" spcFirstLastPara="1" rIns="91425" wrap="square" tIns="45700">
+            <a:noAutofit/>
+          </a:bodyPr>
+          <a:lstStyle/>
+          <a:p>
+            <a:pPr indent="0" lvl="0" marL="0" marR="0" rtl="0" algn="ctr">
+              <a:lnSpc>
+                <a:spcPct val="100000"/>
+              </a:lnSpc>
+              <a:spcBef>
+                <a:spcPts val="0"/>
+              </a:spcBef>
+              <a:spcAft>
+                <a:spcPts val="0"/>
+              </a:spcAft>
+              <a:buClr>
+                <a:srgbClr val="000000"/>
+              </a:buClr>
+              <a:buSzPts val="1400"/>
+              <a:buFont typeface="Arial"/>
+              <a:buNone/>
+            </a:pPr>
+            <a:r>
+              <a:t/>
+            </a:r>
+            <a:endParaRPr b="0" i="0" sz="1400" u="none" cap="none" strike="noStrike">
+              <a:solidFill>
+                <a:schemeClr val="lt1"/>
+              </a:solidFill>
+              <a:latin typeface="Arial"/>
+              <a:ea typeface="Arial"/>
+              <a:cs typeface="Arial"/>
+              <a:sym typeface="Arial"/>
+            </a:endParaRPr>
+          </a:p>
+        </p:txBody>
+      </p:sp>
+      <p:sp>
+        <p:nvSpPr>
+          <p:cNvPr id="139" name="Google Shape;139;p9"/>
+          <p:cNvSpPr txBox="1"/>
+          <p:nvPr>
+            <p:ph type="title"/>
+          </p:nvPr>
+        </p:nvSpPr>
+        <p:spPr>
+          <a:xfrm>
+            <a:off x="640080" y="325369"/>
+            <a:ext cx="4368602" cy="1956841"/>
           </a:xfrm>
           <a:prstGeom prst="rect">
             <a:avLst/>
@@ -25359,12 +25635,12 @@
           </a:ln>
         </p:spPr>
         <p:txBody>
-          <a:bodyPr anchorCtr="0" anchor="t" bIns="45700" lIns="91425" spcFirstLastPara="1" rIns="91425" wrap="square" tIns="45700">
+          <a:bodyPr anchorCtr="0" anchor="b" bIns="45700" lIns="91425" spcFirstLastPara="1" rIns="91425" wrap="square" tIns="45700">
             <a:normAutofit/>
           </a:bodyPr>
           <a:lstStyle/>
           <a:p>
-            <a:pPr indent="-457200" lvl="0" marL="457200" marR="0" rtl="0" algn="l">
+            <a:pPr indent="0" lvl="0" marL="0" rtl="0" algn="l">
               <a:lnSpc>
                 <a:spcPct val="90000"/>
               </a:lnSpc>
@@ -25374,90 +25650,212 @@
               <a:spcAft>
                 <a:spcPts val="0"/>
               </a:spcAft>
-              <a:buClr>
-                <a:srgbClr val="000000"/>
-              </a:buClr>
-              <a:buSzPts val="2000"/>
-              <a:buFont typeface="Arial"/>
-              <a:buChar char="•"/>
+              <a:buSzPts val="1800"/>
+              <a:buNone/>
             </a:pPr>
             <a:r>
-              <a:rPr b="0" i="0" lang="es-419" sz="2000" u="none" cap="none" strike="noStrike">
-                <a:solidFill>
-                  <a:schemeClr val="dk1"/>
-                </a:solidFill>
+              <a:rPr lang="es-419" sz="3600">
                 <a:latin typeface="Arial"/>
                 <a:ea typeface="Arial"/>
                 <a:cs typeface="Arial"/>
                 <a:sym typeface="Arial"/>
               </a:rPr>
-              <a:t>Inserte esquema visual conceptual de la solución y explicar</a:t>
+              <a:t>Perfil de Actores Usuarios</a:t>
             </a:r>
-            <a:endParaRPr b="0" i="0" sz="1400" u="none" cap="none" strike="noStrike">
-              <a:solidFill>
+            <a:endParaRPr/>
+          </a:p>
+        </p:txBody>
+      </p:sp>
+      <p:sp>
+        <p:nvSpPr>
+          <p:cNvPr id="140" name="Google Shape;140;p9"/>
+          <p:cNvSpPr/>
+          <p:nvPr/>
+        </p:nvSpPr>
+        <p:spPr>
+          <a:xfrm>
+            <a:off x="640080" y="2586994"/>
+            <a:ext cx="3474720" cy="18288"/>
+          </a:xfrm>
+          <a:custGeom>
+            <a:rect b="b" l="l" r="r" t="t"/>
+            <a:pathLst>
+              <a:path extrusionOk="0" fill="none" h="18288" w="3474720">
+                <a:moveTo>
+                  <a:pt x="0" y="0"/>
+                </a:moveTo>
+                <a:cubicBezTo>
+                  <a:pt x="224454" y="-14544"/>
+                  <a:pt x="495407" y="26540"/>
+                  <a:pt x="694944" y="0"/>
+                </a:cubicBezTo>
+                <a:cubicBezTo>
+                  <a:pt x="894481" y="-26540"/>
+                  <a:pt x="1130063" y="24713"/>
+                  <a:pt x="1355141" y="0"/>
+                </a:cubicBezTo>
+                <a:cubicBezTo>
+                  <a:pt x="1580219" y="-24713"/>
+                  <a:pt x="1820099" y="26695"/>
+                  <a:pt x="2015338" y="0"/>
+                </a:cubicBezTo>
+                <a:cubicBezTo>
+                  <a:pt x="2210577" y="-26695"/>
+                  <a:pt x="2402045" y="165"/>
+                  <a:pt x="2779776" y="0"/>
+                </a:cubicBezTo>
+                <a:cubicBezTo>
+                  <a:pt x="3157507" y="-165"/>
+                  <a:pt x="3286859" y="-15571"/>
+                  <a:pt x="3474720" y="0"/>
+                </a:cubicBezTo>
+                <a:cubicBezTo>
+                  <a:pt x="3474286" y="7551"/>
+                  <a:pt x="3474253" y="9822"/>
+                  <a:pt x="3474720" y="18288"/>
+                </a:cubicBezTo>
+                <a:cubicBezTo>
+                  <a:pt x="3233904" y="29845"/>
+                  <a:pt x="2945134" y="-5256"/>
+                  <a:pt x="2779776" y="18288"/>
+                </a:cubicBezTo>
+                <a:cubicBezTo>
+                  <a:pt x="2614418" y="41832"/>
+                  <a:pt x="2339768" y="22709"/>
+                  <a:pt x="2189074" y="18288"/>
+                </a:cubicBezTo>
+                <a:cubicBezTo>
+                  <a:pt x="2038380" y="13867"/>
+                  <a:pt x="1817434" y="-4947"/>
+                  <a:pt x="1528877" y="18288"/>
+                </a:cubicBezTo>
+                <a:cubicBezTo>
+                  <a:pt x="1240320" y="41523"/>
+                  <a:pt x="1042447" y="37198"/>
+                  <a:pt x="868680" y="18288"/>
+                </a:cubicBezTo>
+                <a:cubicBezTo>
+                  <a:pt x="694913" y="-622"/>
+                  <a:pt x="233232" y="44909"/>
+                  <a:pt x="0" y="18288"/>
+                </a:cubicBezTo>
+                <a:cubicBezTo>
+                  <a:pt x="60" y="11696"/>
+                  <a:pt x="66" y="3758"/>
+                  <a:pt x="0" y="0"/>
+                </a:cubicBezTo>
+                <a:close/>
+              </a:path>
+              <a:path extrusionOk="0" h="18288" w="3474720">
+                <a:moveTo>
+                  <a:pt x="0" y="0"/>
+                </a:moveTo>
+                <a:cubicBezTo>
+                  <a:pt x="202328" y="-14716"/>
+                  <a:pt x="332722" y="-11499"/>
+                  <a:pt x="625450" y="0"/>
+                </a:cubicBezTo>
+                <a:cubicBezTo>
+                  <a:pt x="918178" y="11499"/>
+                  <a:pt x="1096688" y="5123"/>
+                  <a:pt x="1389888" y="0"/>
+                </a:cubicBezTo>
+                <a:cubicBezTo>
+                  <a:pt x="1683088" y="-5123"/>
+                  <a:pt x="1835981" y="-14038"/>
+                  <a:pt x="1980590" y="0"/>
+                </a:cubicBezTo>
+                <a:cubicBezTo>
+                  <a:pt x="2125199" y="14038"/>
+                  <a:pt x="2396099" y="-7203"/>
+                  <a:pt x="2571293" y="0"/>
+                </a:cubicBezTo>
+                <a:cubicBezTo>
+                  <a:pt x="2746487" y="7203"/>
+                  <a:pt x="3041609" y="-12036"/>
+                  <a:pt x="3474720" y="0"/>
+                </a:cubicBezTo>
+                <a:cubicBezTo>
+                  <a:pt x="3474638" y="4406"/>
+                  <a:pt x="3474631" y="9982"/>
+                  <a:pt x="3474720" y="18288"/>
+                </a:cubicBezTo>
+                <a:cubicBezTo>
+                  <a:pt x="3324873" y="21876"/>
+                  <a:pt x="3136771" y="12587"/>
+                  <a:pt x="2814523" y="18288"/>
+                </a:cubicBezTo>
+                <a:cubicBezTo>
+                  <a:pt x="2492275" y="23989"/>
+                  <a:pt x="2294402" y="47111"/>
+                  <a:pt x="2154326" y="18288"/>
+                </a:cubicBezTo>
+                <a:cubicBezTo>
+                  <a:pt x="2014250" y="-10535"/>
+                  <a:pt x="1820317" y="33903"/>
+                  <a:pt x="1494130" y="18288"/>
+                </a:cubicBezTo>
+                <a:cubicBezTo>
+                  <a:pt x="1167943" y="2673"/>
+                  <a:pt x="948432" y="14868"/>
+                  <a:pt x="729691" y="18288"/>
+                </a:cubicBezTo>
+                <a:cubicBezTo>
+                  <a:pt x="510950" y="21708"/>
+                  <a:pt x="264032" y="24354"/>
+                  <a:pt x="0" y="18288"/>
+                </a:cubicBezTo>
+                <a:cubicBezTo>
+                  <a:pt x="189" y="14288"/>
+                  <a:pt x="-703" y="3747"/>
+                  <a:pt x="0" y="0"/>
+                </a:cubicBezTo>
+                <a:close/>
+              </a:path>
+            </a:pathLst>
+          </a:custGeom>
+          <a:solidFill>
+            <a:schemeClr val="accent2"/>
+          </a:solidFill>
+          <a:ln cap="rnd" cmpd="sng" w="44450">
+            <a:solidFill>
+              <a:schemeClr val="accent2"/>
+            </a:solidFill>
+            <a:prstDash val="solid"/>
+            <a:round/>
+            <a:headEnd len="sm" w="sm" type="none"/>
+            <a:tailEnd len="sm" w="sm" type="none"/>
+          </a:ln>
+        </p:spPr>
+        <p:txBody>
+          <a:bodyPr anchorCtr="0" anchor="ctr" bIns="45700" lIns="91425" spcFirstLastPara="1" rIns="91425" wrap="square" tIns="45700">
+            <a:noAutofit/>
+          </a:bodyPr>
+          <a:lstStyle/>
+          <a:p>
+            <a:pPr indent="0" lvl="0" marL="0" marR="0" rtl="0" algn="ctr">
+              <a:lnSpc>
+                <a:spcPct val="100000"/>
+              </a:lnSpc>
+              <a:spcBef>
+                <a:spcPts val="0"/>
+              </a:spcBef>
+              <a:spcAft>
+                <a:spcPts val="0"/>
+              </a:spcAft>
+              <a:buClr>
                 <a:srgbClr val="000000"/>
-              </a:solidFill>
-              <a:latin typeface="Arial"/>
-              <a:ea typeface="Arial"/>
-              <a:cs typeface="Arial"/>
-              <a:sym typeface="Arial"/>
-            </a:endParaRPr>
-          </a:p>
-          <a:p>
-            <a:pPr indent="-330200" lvl="0" marL="457200" marR="0" rtl="0" algn="l">
-              <a:lnSpc>
-                <a:spcPct val="90000"/>
-              </a:lnSpc>
-              <a:spcBef>
-                <a:spcPts val="600"/>
-              </a:spcBef>
-              <a:spcAft>
-                <a:spcPts val="0"/>
-              </a:spcAft>
-              <a:buClr>
-                <a:srgbClr val="000000"/>
-              </a:buClr>
-              <a:buSzPts val="2000"/>
+              </a:buClr>
+              <a:buSzPts val="1400"/>
               <a:buFont typeface="Arial"/>
               <a:buNone/>
             </a:pPr>
             <a:r>
               <a:t/>
             </a:r>
-            <a:endParaRPr b="0" i="0" sz="2000" u="none" cap="none" strike="noStrike">
+            <a:endParaRPr b="0" i="0" sz="1400" u="none" cap="none" strike="noStrike">
               <a:solidFill>
-                <a:schemeClr val="dk1"/>
-              </a:solidFill>
-              <a:latin typeface="Arial"/>
-              <a:ea typeface="Arial"/>
-              <a:cs typeface="Arial"/>
-              <a:sym typeface="Arial"/>
-            </a:endParaRPr>
-          </a:p>
-          <a:p>
-            <a:pPr indent="0" lvl="0" marL="0" marR="0" rtl="0" algn="l">
-              <a:lnSpc>
-                <a:spcPct val="90000"/>
-              </a:lnSpc>
-              <a:spcBef>
-                <a:spcPts val="600"/>
-              </a:spcBef>
-              <a:spcAft>
-                <a:spcPts val="0"/>
-              </a:spcAft>
-              <a:buClr>
-                <a:srgbClr val="000000"/>
-              </a:buClr>
-              <a:buSzPts val="2000"/>
-              <a:buFont typeface="Arial"/>
-              <a:buNone/>
-            </a:pPr>
-            <a:r>
-              <a:t/>
-            </a:r>
-            <a:endParaRPr b="0" i="0" sz="2000" u="none" cap="none" strike="noStrike">
-              <a:solidFill>
-                <a:schemeClr val="dk1"/>
+                <a:schemeClr val="lt1"/>
               </a:solidFill>
               <a:latin typeface="Arial"/>
               <a:ea typeface="Arial"/>
@@ -25469,7 +25867,7 @@
       </p:sp>
       <p:pic>
         <p:nvPicPr>
-          <p:cNvPr id="134" name="Google Shape;134;p8"/>
+          <p:cNvPr id="141" name="Google Shape;141;p9"/>
           <p:cNvPicPr preferRelativeResize="0"/>
           <p:nvPr/>
         </p:nvPicPr>
@@ -25602,520 +26000,9 @@
           </a:ln>
         </p:spPr>
       </p:pic>
-      <p:pic>
-        <p:nvPicPr>
-          <p:cNvPr id="135" name="Google Shape;135;p8"/>
-          <p:cNvPicPr preferRelativeResize="0"/>
-          <p:nvPr/>
-        </p:nvPicPr>
-        <p:blipFill rotWithShape="1">
-          <a:blip r:embed="rId4">
-            <a:alphaModFix/>
-          </a:blip>
-          <a:srcRect b="0" l="0" r="0" t="0"/>
-          <a:stretch/>
-        </p:blipFill>
-        <p:spPr>
-          <a:xfrm>
-            <a:off x="3877843" y="2439341"/>
-            <a:ext cx="7010400" cy="3876675"/>
-          </a:xfrm>
-          <a:prstGeom prst="rect">
-            <a:avLst/>
-          </a:prstGeom>
-          <a:noFill/>
-          <a:ln cap="flat" cmpd="sng" w="57150">
-            <a:solidFill>
-              <a:srgbClr val="A69589"/>
-            </a:solidFill>
-            <a:prstDash val="solid"/>
-            <a:round/>
-            <a:headEnd len="sm" w="sm" type="none"/>
-            <a:tailEnd len="sm" w="sm" type="none"/>
-          </a:ln>
-        </p:spPr>
-      </p:pic>
-    </p:spTree>
-  </p:cSld>
-  <p:clrMapOvr>
-    <a:masterClrMapping/>
-  </p:clrMapOvr>
-</p:sld>
-</file>
-
-<file path=ppt/slides/slide7.xml><?xml version="1.0" encoding="utf-8"?>
-<p:sld xmlns:a="http://schemas.openxmlformats.org/drawingml/2006/main" xmlns:r="http://schemas.openxmlformats.org/officeDocument/2006/relationships" xmlns:mc="http://schemas.openxmlformats.org/markup-compatibility/2006" xmlns:mv="urn:schemas-microsoft-com:mac:vml" xmlns:p="http://schemas.openxmlformats.org/presentationml/2006/main" xmlns:c="http://schemas.openxmlformats.org/drawingml/2006/chart" xmlns:dgm="http://schemas.openxmlformats.org/drawingml/2006/diagram" xmlns:o="urn:schemas-microsoft-com:office:office" xmlns:v="urn:schemas-microsoft-com:vml" xmlns:pvml="urn:schemas-microsoft-com:office:powerpoint" xmlns:com="http://schemas.openxmlformats.org/drawingml/2006/compatibility" xmlns:p14="http://schemas.microsoft.com/office/powerpoint/2010/main" xmlns:p15="http://schemas.microsoft.com/office/powerpoint/2012/main" xmlns:ahyp="http://schemas.microsoft.com/office/drawing/2018/hyperlinkcolor">
-  <p:cSld>
-    <p:bg>
-      <p:bgPr>
-        <a:solidFill>
-          <a:schemeClr val="lt1"/>
-        </a:solidFill>
-      </p:bgPr>
-    </p:bg>
-    <p:spTree>
-      <p:nvGrpSpPr>
-        <p:cNvPr id="139" name="Shape 139"/>
-        <p:cNvGrpSpPr/>
-        <p:nvPr/>
-      </p:nvGrpSpPr>
-      <p:grpSpPr>
-        <a:xfrm>
-          <a:off x="0" y="0"/>
-          <a:ext cx="0" cy="0"/>
-          <a:chOff x="0" y="0"/>
-          <a:chExt cx="0" cy="0"/>
-        </a:xfrm>
-      </p:grpSpPr>
-      <p:sp>
-        <p:nvSpPr>
-          <p:cNvPr id="140" name="Google Shape;140;p9"/>
-          <p:cNvSpPr/>
-          <p:nvPr/>
-        </p:nvSpPr>
-        <p:spPr>
-          <a:xfrm>
-            <a:off x="0" y="0"/>
-            <a:ext cx="12188952" cy="6858000"/>
-          </a:xfrm>
-          <a:prstGeom prst="rect">
-            <a:avLst/>
-          </a:prstGeom>
-          <a:solidFill>
-            <a:schemeClr val="lt1"/>
-          </a:solidFill>
-          <a:ln>
-            <a:noFill/>
-          </a:ln>
-        </p:spPr>
-        <p:txBody>
-          <a:bodyPr anchorCtr="0" anchor="ctr" bIns="45700" lIns="91425" spcFirstLastPara="1" rIns="91425" wrap="square" tIns="45700">
-            <a:noAutofit/>
-          </a:bodyPr>
-          <a:lstStyle/>
-          <a:p>
-            <a:pPr indent="0" lvl="0" marL="0" marR="0" rtl="0" algn="ctr">
-              <a:lnSpc>
-                <a:spcPct val="100000"/>
-              </a:lnSpc>
-              <a:spcBef>
-                <a:spcPts val="0"/>
-              </a:spcBef>
-              <a:spcAft>
-                <a:spcPts val="0"/>
-              </a:spcAft>
-              <a:buClr>
-                <a:srgbClr val="000000"/>
-              </a:buClr>
-              <a:buSzPts val="1400"/>
-              <a:buFont typeface="Arial"/>
-              <a:buNone/>
-            </a:pPr>
-            <a:r>
-              <a:t/>
-            </a:r>
-            <a:endParaRPr b="0" i="0" sz="1400" u="none" cap="none" strike="noStrike">
-              <a:solidFill>
-                <a:schemeClr val="lt1"/>
-              </a:solidFill>
-              <a:latin typeface="Arial"/>
-              <a:ea typeface="Arial"/>
-              <a:cs typeface="Arial"/>
-              <a:sym typeface="Arial"/>
-            </a:endParaRPr>
-          </a:p>
-        </p:txBody>
-      </p:sp>
-      <p:sp>
-        <p:nvSpPr>
-          <p:cNvPr id="141" name="Google Shape;141;p9"/>
-          <p:cNvSpPr txBox="1"/>
-          <p:nvPr>
-            <p:ph type="title"/>
-          </p:nvPr>
-        </p:nvSpPr>
-        <p:spPr>
-          <a:xfrm>
-            <a:off x="640080" y="325369"/>
-            <a:ext cx="4368602" cy="1956841"/>
-          </a:xfrm>
-          <a:prstGeom prst="rect">
-            <a:avLst/>
-          </a:prstGeom>
-          <a:noFill/>
-          <a:ln>
-            <a:noFill/>
-          </a:ln>
-        </p:spPr>
-        <p:txBody>
-          <a:bodyPr anchorCtr="0" anchor="b" bIns="45700" lIns="91425" spcFirstLastPara="1" rIns="91425" wrap="square" tIns="45700">
-            <a:normAutofit/>
-          </a:bodyPr>
-          <a:lstStyle/>
-          <a:p>
-            <a:pPr indent="0" lvl="0" marL="0" rtl="0" algn="l">
-              <a:lnSpc>
-                <a:spcPct val="90000"/>
-              </a:lnSpc>
-              <a:spcBef>
-                <a:spcPts val="0"/>
-              </a:spcBef>
-              <a:spcAft>
-                <a:spcPts val="0"/>
-              </a:spcAft>
-              <a:buSzPts val="1800"/>
-              <a:buNone/>
-            </a:pPr>
-            <a:r>
-              <a:rPr lang="es-419" sz="3600">
-                <a:latin typeface="Arial"/>
-                <a:ea typeface="Arial"/>
-                <a:cs typeface="Arial"/>
-                <a:sym typeface="Arial"/>
-              </a:rPr>
-              <a:t>Perfil de Actores Usuarios</a:t>
-            </a:r>
-            <a:endParaRPr/>
-          </a:p>
-        </p:txBody>
-      </p:sp>
       <p:sp>
         <p:nvSpPr>
           <p:cNvPr id="142" name="Google Shape;142;p9"/>
-          <p:cNvSpPr/>
-          <p:nvPr/>
-        </p:nvSpPr>
-        <p:spPr>
-          <a:xfrm>
-            <a:off x="640080" y="2586994"/>
-            <a:ext cx="3474720" cy="18288"/>
-          </a:xfrm>
-          <a:custGeom>
-            <a:rect b="b" l="l" r="r" t="t"/>
-            <a:pathLst>
-              <a:path extrusionOk="0" fill="none" h="18288" w="3474720">
-                <a:moveTo>
-                  <a:pt x="0" y="0"/>
-                </a:moveTo>
-                <a:cubicBezTo>
-                  <a:pt x="224454" y="-14544"/>
-                  <a:pt x="495407" y="26540"/>
-                  <a:pt x="694944" y="0"/>
-                </a:cubicBezTo>
-                <a:cubicBezTo>
-                  <a:pt x="894481" y="-26540"/>
-                  <a:pt x="1130063" y="24713"/>
-                  <a:pt x="1355141" y="0"/>
-                </a:cubicBezTo>
-                <a:cubicBezTo>
-                  <a:pt x="1580219" y="-24713"/>
-                  <a:pt x="1820099" y="26695"/>
-                  <a:pt x="2015338" y="0"/>
-                </a:cubicBezTo>
-                <a:cubicBezTo>
-                  <a:pt x="2210577" y="-26695"/>
-                  <a:pt x="2402045" y="165"/>
-                  <a:pt x="2779776" y="0"/>
-                </a:cubicBezTo>
-                <a:cubicBezTo>
-                  <a:pt x="3157507" y="-165"/>
-                  <a:pt x="3286859" y="-15571"/>
-                  <a:pt x="3474720" y="0"/>
-                </a:cubicBezTo>
-                <a:cubicBezTo>
-                  <a:pt x="3474286" y="7551"/>
-                  <a:pt x="3474253" y="9822"/>
-                  <a:pt x="3474720" y="18288"/>
-                </a:cubicBezTo>
-                <a:cubicBezTo>
-                  <a:pt x="3233904" y="29845"/>
-                  <a:pt x="2945134" y="-5256"/>
-                  <a:pt x="2779776" y="18288"/>
-                </a:cubicBezTo>
-                <a:cubicBezTo>
-                  <a:pt x="2614418" y="41832"/>
-                  <a:pt x="2339768" y="22709"/>
-                  <a:pt x="2189074" y="18288"/>
-                </a:cubicBezTo>
-                <a:cubicBezTo>
-                  <a:pt x="2038380" y="13867"/>
-                  <a:pt x="1817434" y="-4947"/>
-                  <a:pt x="1528877" y="18288"/>
-                </a:cubicBezTo>
-                <a:cubicBezTo>
-                  <a:pt x="1240320" y="41523"/>
-                  <a:pt x="1042447" y="37198"/>
-                  <a:pt x="868680" y="18288"/>
-                </a:cubicBezTo>
-                <a:cubicBezTo>
-                  <a:pt x="694913" y="-622"/>
-                  <a:pt x="233232" y="44909"/>
-                  <a:pt x="0" y="18288"/>
-                </a:cubicBezTo>
-                <a:cubicBezTo>
-                  <a:pt x="60" y="11696"/>
-                  <a:pt x="66" y="3758"/>
-                  <a:pt x="0" y="0"/>
-                </a:cubicBezTo>
-                <a:close/>
-              </a:path>
-              <a:path extrusionOk="0" h="18288" w="3474720">
-                <a:moveTo>
-                  <a:pt x="0" y="0"/>
-                </a:moveTo>
-                <a:cubicBezTo>
-                  <a:pt x="202328" y="-14716"/>
-                  <a:pt x="332722" y="-11499"/>
-                  <a:pt x="625450" y="0"/>
-                </a:cubicBezTo>
-                <a:cubicBezTo>
-                  <a:pt x="918178" y="11499"/>
-                  <a:pt x="1096688" y="5123"/>
-                  <a:pt x="1389888" y="0"/>
-                </a:cubicBezTo>
-                <a:cubicBezTo>
-                  <a:pt x="1683088" y="-5123"/>
-                  <a:pt x="1835981" y="-14038"/>
-                  <a:pt x="1980590" y="0"/>
-                </a:cubicBezTo>
-                <a:cubicBezTo>
-                  <a:pt x="2125199" y="14038"/>
-                  <a:pt x="2396099" y="-7203"/>
-                  <a:pt x="2571293" y="0"/>
-                </a:cubicBezTo>
-                <a:cubicBezTo>
-                  <a:pt x="2746487" y="7203"/>
-                  <a:pt x="3041609" y="-12036"/>
-                  <a:pt x="3474720" y="0"/>
-                </a:cubicBezTo>
-                <a:cubicBezTo>
-                  <a:pt x="3474638" y="4406"/>
-                  <a:pt x="3474631" y="9982"/>
-                  <a:pt x="3474720" y="18288"/>
-                </a:cubicBezTo>
-                <a:cubicBezTo>
-                  <a:pt x="3324873" y="21876"/>
-                  <a:pt x="3136771" y="12587"/>
-                  <a:pt x="2814523" y="18288"/>
-                </a:cubicBezTo>
-                <a:cubicBezTo>
-                  <a:pt x="2492275" y="23989"/>
-                  <a:pt x="2294402" y="47111"/>
-                  <a:pt x="2154326" y="18288"/>
-                </a:cubicBezTo>
-                <a:cubicBezTo>
-                  <a:pt x="2014250" y="-10535"/>
-                  <a:pt x="1820317" y="33903"/>
-                  <a:pt x="1494130" y="18288"/>
-                </a:cubicBezTo>
-                <a:cubicBezTo>
-                  <a:pt x="1167943" y="2673"/>
-                  <a:pt x="948432" y="14868"/>
-                  <a:pt x="729691" y="18288"/>
-                </a:cubicBezTo>
-                <a:cubicBezTo>
-                  <a:pt x="510950" y="21708"/>
-                  <a:pt x="264032" y="24354"/>
-                  <a:pt x="0" y="18288"/>
-                </a:cubicBezTo>
-                <a:cubicBezTo>
-                  <a:pt x="189" y="14288"/>
-                  <a:pt x="-703" y="3747"/>
-                  <a:pt x="0" y="0"/>
-                </a:cubicBezTo>
-                <a:close/>
-              </a:path>
-            </a:pathLst>
-          </a:custGeom>
-          <a:solidFill>
-            <a:schemeClr val="accent2"/>
-          </a:solidFill>
-          <a:ln cap="rnd" cmpd="sng" w="44450">
-            <a:solidFill>
-              <a:schemeClr val="accent2"/>
-            </a:solidFill>
-            <a:prstDash val="solid"/>
-            <a:round/>
-            <a:headEnd len="sm" w="sm" type="none"/>
-            <a:tailEnd len="sm" w="sm" type="none"/>
-          </a:ln>
-        </p:spPr>
-        <p:txBody>
-          <a:bodyPr anchorCtr="0" anchor="ctr" bIns="45700" lIns="91425" spcFirstLastPara="1" rIns="91425" wrap="square" tIns="45700">
-            <a:noAutofit/>
-          </a:bodyPr>
-          <a:lstStyle/>
-          <a:p>
-            <a:pPr indent="0" lvl="0" marL="0" marR="0" rtl="0" algn="ctr">
-              <a:lnSpc>
-                <a:spcPct val="100000"/>
-              </a:lnSpc>
-              <a:spcBef>
-                <a:spcPts val="0"/>
-              </a:spcBef>
-              <a:spcAft>
-                <a:spcPts val="0"/>
-              </a:spcAft>
-              <a:buClr>
-                <a:srgbClr val="000000"/>
-              </a:buClr>
-              <a:buSzPts val="1400"/>
-              <a:buFont typeface="Arial"/>
-              <a:buNone/>
-            </a:pPr>
-            <a:r>
-              <a:t/>
-            </a:r>
-            <a:endParaRPr b="0" i="0" sz="1400" u="none" cap="none" strike="noStrike">
-              <a:solidFill>
-                <a:schemeClr val="lt1"/>
-              </a:solidFill>
-              <a:latin typeface="Arial"/>
-              <a:ea typeface="Arial"/>
-              <a:cs typeface="Arial"/>
-              <a:sym typeface="Arial"/>
-            </a:endParaRPr>
-          </a:p>
-        </p:txBody>
-      </p:sp>
-      <p:pic>
-        <p:nvPicPr>
-          <p:cNvPr id="143" name="Google Shape;143;p9"/>
-          <p:cNvPicPr preferRelativeResize="0"/>
-          <p:nvPr/>
-        </p:nvPicPr>
-        <p:blipFill rotWithShape="1">
-          <a:blip r:embed="rId3">
-            <a:alphaModFix/>
-          </a:blip>
-          <a:srcRect b="0" l="0" r="0" t="12266"/>
-          <a:stretch/>
-        </p:blipFill>
-        <p:spPr>
-          <a:xfrm>
-            <a:off x="5311702" y="10"/>
-            <a:ext cx="6878775" cy="6857990"/>
-          </a:xfrm>
-          <a:custGeom>
-            <a:rect b="b" l="l" r="r" t="t"/>
-            <a:pathLst>
-              <a:path extrusionOk="0" h="6858000" w="6878775">
-                <a:moveTo>
-                  <a:pt x="1102973" y="0"/>
-                </a:moveTo>
-                <a:lnTo>
-                  <a:pt x="1160688" y="0"/>
-                </a:lnTo>
-                <a:lnTo>
-                  <a:pt x="983189" y="331786"/>
-                </a:lnTo>
-                <a:cubicBezTo>
-                  <a:pt x="914866" y="469145"/>
-                  <a:pt x="850355" y="608712"/>
-                  <a:pt x="789261" y="750263"/>
-                </a:cubicBezTo>
-                <a:cubicBezTo>
-                  <a:pt x="774307" y="784928"/>
-                  <a:pt x="759992" y="819849"/>
-                  <a:pt x="745295" y="854514"/>
-                </a:cubicBezTo>
-                <a:cubicBezTo>
-                  <a:pt x="756682" y="845393"/>
-                  <a:pt x="765489" y="833492"/>
-                  <a:pt x="770857" y="819975"/>
-                </a:cubicBezTo>
-                <a:cubicBezTo>
-                  <a:pt x="879943" y="589569"/>
-                  <a:pt x="999605" y="365513"/>
-                  <a:pt x="1131329" y="148742"/>
-                </a:cubicBezTo>
-                <a:lnTo>
-                  <a:pt x="1227589" y="0"/>
-                </a:lnTo>
-                <a:lnTo>
-                  <a:pt x="6878775" y="0"/>
-                </a:lnTo>
-                <a:lnTo>
-                  <a:pt x="6878775" y="6858000"/>
-                </a:lnTo>
-                <a:lnTo>
-                  <a:pt x="713521" y="6858000"/>
-                </a:lnTo>
-                <a:lnTo>
-                  <a:pt x="625642" y="6670527"/>
-                </a:lnTo>
-                <a:cubicBezTo>
-                  <a:pt x="507232" y="6398531"/>
-                  <a:pt x="403083" y="6118381"/>
-                  <a:pt x="312785" y="5830359"/>
-                </a:cubicBezTo>
-                <a:cubicBezTo>
-                  <a:pt x="278149" y="5719759"/>
-                  <a:pt x="248879" y="5607635"/>
-                  <a:pt x="212198" y="5480401"/>
-                </a:cubicBezTo>
-                <a:cubicBezTo>
-                  <a:pt x="212208" y="5491601"/>
-                  <a:pt x="212803" y="5502788"/>
-                  <a:pt x="213988" y="5513923"/>
-                </a:cubicBezTo>
-                <a:cubicBezTo>
-                  <a:pt x="264089" y="5723695"/>
-                  <a:pt x="307290" y="5935370"/>
-                  <a:pt x="365826" y="6142729"/>
-                </a:cubicBezTo>
-                <a:cubicBezTo>
-                  <a:pt x="433152" y="6380817"/>
-                  <a:pt x="510068" y="6614016"/>
-                  <a:pt x="597975" y="6841549"/>
-                </a:cubicBezTo>
-                <a:lnTo>
-                  <a:pt x="604824" y="6858000"/>
-                </a:lnTo>
-                <a:lnTo>
-                  <a:pt x="552056" y="6858000"/>
-                </a:lnTo>
-                <a:lnTo>
-                  <a:pt x="539576" y="6828295"/>
-                </a:lnTo>
-                <a:cubicBezTo>
-                  <a:pt x="380597" y="6414594"/>
-                  <a:pt x="260223" y="5988893"/>
-                  <a:pt x="171555" y="5552906"/>
-                </a:cubicBezTo>
-                <a:cubicBezTo>
-                  <a:pt x="91163" y="5157998"/>
-                  <a:pt x="43746" y="4758899"/>
-                  <a:pt x="12305" y="4357388"/>
-                </a:cubicBezTo>
-                <a:cubicBezTo>
-                  <a:pt x="-14281" y="4013908"/>
-                  <a:pt x="4507" y="3672965"/>
-                  <a:pt x="46684" y="3331516"/>
-                </a:cubicBezTo>
-                <a:cubicBezTo>
-                  <a:pt x="127203" y="2664286"/>
-                  <a:pt x="277819" y="2007265"/>
-                  <a:pt x="496065" y="1371196"/>
-                </a:cubicBezTo>
-                <a:cubicBezTo>
-                  <a:pt x="636273" y="966066"/>
-                  <a:pt x="800445" y="573253"/>
-                  <a:pt x="995723" y="196614"/>
-                </a:cubicBezTo>
-                <a:close/>
-              </a:path>
-            </a:pathLst>
-          </a:custGeom>
-          <a:noFill/>
-          <a:ln>
-            <a:noFill/>
-          </a:ln>
-        </p:spPr>
-      </p:pic>
-      <p:sp>
-        <p:nvSpPr>
-          <p:cNvPr id="144" name="Google Shape;144;p9"/>
           <p:cNvSpPr txBox="1"/>
           <p:nvPr/>
         </p:nvSpPr>
@@ -26210,7 +26097,7 @@
     </p:bg>
     <p:spTree>
       <p:nvGrpSpPr>
-        <p:cNvPr id="148" name="Shape 148"/>
+        <p:cNvPr id="146" name="Shape 146"/>
         <p:cNvGrpSpPr/>
         <p:nvPr/>
       </p:nvGrpSpPr>
@@ -26224,7 +26111,7 @@
       </p:grpSpPr>
       <p:sp>
         <p:nvSpPr>
-          <p:cNvPr id="149" name="Google Shape;149;g300c6dcdfd3_0_0"/>
+          <p:cNvPr id="147" name="Google Shape;147;g300c6dcdfd3_0_0"/>
           <p:cNvSpPr/>
           <p:nvPr/>
         </p:nvSpPr>
@@ -26283,7 +26170,7 @@
       </p:sp>
       <p:sp>
         <p:nvSpPr>
-          <p:cNvPr id="150" name="Google Shape;150;g300c6dcdfd3_0_0"/>
+          <p:cNvPr id="148" name="Google Shape;148;g300c6dcdfd3_0_0"/>
           <p:cNvSpPr txBox="1"/>
           <p:nvPr>
             <p:ph type="title"/>
@@ -26348,7 +26235,7 @@
       </p:sp>
       <p:sp>
         <p:nvSpPr>
-          <p:cNvPr id="151" name="Google Shape;151;g300c6dcdfd3_0_0"/>
+          <p:cNvPr id="149" name="Google Shape;149;g300c6dcdfd3_0_0"/>
           <p:cNvSpPr/>
           <p:nvPr/>
         </p:nvSpPr>
@@ -26547,7 +26434,7 @@
       </p:sp>
       <p:sp>
         <p:nvSpPr>
-          <p:cNvPr id="152" name="Google Shape;152;g300c6dcdfd3_0_0"/>
+          <p:cNvPr id="150" name="Google Shape;150;g300c6dcdfd3_0_0"/>
           <p:cNvSpPr txBox="1"/>
           <p:nvPr/>
         </p:nvSpPr>
@@ -26733,7 +26620,7 @@
       </p:sp>
       <p:pic>
         <p:nvPicPr>
-          <p:cNvPr id="153" name="Google Shape;153;g300c6dcdfd3_0_0"/>
+          <p:cNvPr id="151" name="Google Shape;151;g300c6dcdfd3_0_0"/>
           <p:cNvPicPr preferRelativeResize="0"/>
           <p:nvPr/>
         </p:nvPicPr>
@@ -26886,7 +26773,7 @@
     </p:bg>
     <p:spTree>
       <p:nvGrpSpPr>
-        <p:cNvPr id="157" name="Shape 157"/>
+        <p:cNvPr id="155" name="Shape 155"/>
         <p:cNvGrpSpPr/>
         <p:nvPr/>
       </p:nvGrpSpPr>
@@ -26900,7 +26787,7 @@
       </p:grpSpPr>
       <p:sp>
         <p:nvSpPr>
-          <p:cNvPr id="158" name="Google Shape;158;p10"/>
+          <p:cNvPr id="156" name="Google Shape;156;p10"/>
           <p:cNvSpPr/>
           <p:nvPr/>
         </p:nvSpPr>
@@ -26959,7 +26846,7 @@
       </p:sp>
       <p:sp>
         <p:nvSpPr>
-          <p:cNvPr id="159" name="Google Shape;159;p10"/>
+          <p:cNvPr id="157" name="Google Shape;157;p10"/>
           <p:cNvSpPr txBox="1"/>
           <p:nvPr>
             <p:ph type="title"/>
@@ -27016,7 +26903,7 @@
       </p:sp>
       <p:sp>
         <p:nvSpPr>
-          <p:cNvPr id="160" name="Google Shape;160;p10"/>
+          <p:cNvPr id="158" name="Google Shape;158;p10"/>
           <p:cNvSpPr/>
           <p:nvPr/>
         </p:nvSpPr>
@@ -27215,7 +27102,7 @@
       </p:sp>
       <p:pic>
         <p:nvPicPr>
-          <p:cNvPr id="161" name="Google Shape;161;p10"/>
+          <p:cNvPr id="159" name="Google Shape;159;p10"/>
           <p:cNvPicPr preferRelativeResize="0"/>
           <p:nvPr/>
         </p:nvPicPr>
@@ -27350,7 +27237,7 @@
       </p:pic>
       <p:grpSp>
         <p:nvGrpSpPr>
-          <p:cNvPr id="162" name="Google Shape;162;p10"/>
+          <p:cNvPr id="160" name="Google Shape;160;p10"/>
           <p:cNvGrpSpPr/>
           <p:nvPr/>
         </p:nvGrpSpPr>
@@ -27364,7 +27251,7 @@
         </p:grpSpPr>
         <p:sp>
           <p:nvSpPr>
-            <p:cNvPr id="163" name="Google Shape;163;p10"/>
+            <p:cNvPr id="161" name="Google Shape;161;p10"/>
             <p:cNvSpPr/>
             <p:nvPr/>
           </p:nvSpPr>
@@ -27436,7 +27323,7 @@
         </p:sp>
         <p:sp>
           <p:nvSpPr>
-            <p:cNvPr id="164" name="Google Shape;164;p10"/>
+            <p:cNvPr id="162" name="Google Shape;162;p10"/>
             <p:cNvSpPr txBox="1"/>
             <p:nvPr/>
           </p:nvSpPr>
@@ -27522,7 +27409,7 @@
         </p:sp>
         <p:sp>
           <p:nvSpPr>
-            <p:cNvPr id="165" name="Google Shape;165;p10"/>
+            <p:cNvPr id="163" name="Google Shape;163;p10"/>
             <p:cNvSpPr/>
             <p:nvPr/>
           </p:nvSpPr>
@@ -27589,7 +27476,7 @@
         </p:sp>
         <p:sp>
           <p:nvSpPr>
-            <p:cNvPr id="166" name="Google Shape;166;p10"/>
+            <p:cNvPr id="164" name="Google Shape;164;p10"/>
             <p:cNvSpPr txBox="1"/>
             <p:nvPr/>
           </p:nvSpPr>
@@ -27651,7 +27538,7 @@
         </p:sp>
         <p:sp>
           <p:nvSpPr>
-            <p:cNvPr id="167" name="Google Shape;167;p10"/>
+            <p:cNvPr id="165" name="Google Shape;165;p10"/>
             <p:cNvSpPr/>
             <p:nvPr/>
           </p:nvSpPr>
@@ -27723,7 +27610,7 @@
         </p:sp>
         <p:sp>
           <p:nvSpPr>
-            <p:cNvPr id="168" name="Google Shape;168;p10"/>
+            <p:cNvPr id="166" name="Google Shape;166;p10"/>
             <p:cNvSpPr txBox="1"/>
             <p:nvPr/>
           </p:nvSpPr>
@@ -27809,7 +27696,7 @@
         </p:sp>
         <p:sp>
           <p:nvSpPr>
-            <p:cNvPr id="169" name="Google Shape;169;p10"/>
+            <p:cNvPr id="167" name="Google Shape;167;p10"/>
             <p:cNvSpPr/>
             <p:nvPr/>
           </p:nvSpPr>
@@ -27876,7 +27763,7 @@
         </p:sp>
         <p:sp>
           <p:nvSpPr>
-            <p:cNvPr id="170" name="Google Shape;170;p10"/>
+            <p:cNvPr id="168" name="Google Shape;168;p10"/>
             <p:cNvSpPr txBox="1"/>
             <p:nvPr/>
           </p:nvSpPr>
@@ -27938,7 +27825,7 @@
         </p:sp>
         <p:sp>
           <p:nvSpPr>
-            <p:cNvPr id="171" name="Google Shape;171;p10"/>
+            <p:cNvPr id="169" name="Google Shape;169;p10"/>
             <p:cNvSpPr/>
             <p:nvPr/>
           </p:nvSpPr>
@@ -28010,7 +27897,7 @@
         </p:sp>
         <p:sp>
           <p:nvSpPr>
-            <p:cNvPr id="172" name="Google Shape;172;p10"/>
+            <p:cNvPr id="170" name="Google Shape;170;p10"/>
             <p:cNvSpPr txBox="1"/>
             <p:nvPr/>
           </p:nvSpPr>
@@ -28096,7 +27983,7 @@
         </p:sp>
         <p:sp>
           <p:nvSpPr>
-            <p:cNvPr id="173" name="Google Shape;173;p10"/>
+            <p:cNvPr id="171" name="Google Shape;171;p10"/>
             <p:cNvSpPr/>
             <p:nvPr/>
           </p:nvSpPr>
@@ -28163,7 +28050,7 @@
         </p:sp>
         <p:sp>
           <p:nvSpPr>
-            <p:cNvPr id="174" name="Google Shape;174;p10"/>
+            <p:cNvPr id="172" name="Google Shape;172;p10"/>
             <p:cNvSpPr txBox="1"/>
             <p:nvPr/>
           </p:nvSpPr>
@@ -28225,7 +28112,7 @@
         </p:sp>
         <p:sp>
           <p:nvSpPr>
-            <p:cNvPr id="175" name="Google Shape;175;p10"/>
+            <p:cNvPr id="173" name="Google Shape;173;p10"/>
             <p:cNvSpPr/>
             <p:nvPr/>
           </p:nvSpPr>
@@ -28297,7 +28184,7 @@
         </p:sp>
         <p:sp>
           <p:nvSpPr>
-            <p:cNvPr id="176" name="Google Shape;176;p10"/>
+            <p:cNvPr id="174" name="Google Shape;174;p10"/>
             <p:cNvSpPr txBox="1"/>
             <p:nvPr/>
           </p:nvSpPr>
@@ -28383,7 +28270,7 @@
         </p:sp>
         <p:sp>
           <p:nvSpPr>
-            <p:cNvPr id="177" name="Google Shape;177;p10"/>
+            <p:cNvPr id="175" name="Google Shape;175;p10"/>
             <p:cNvSpPr/>
             <p:nvPr/>
           </p:nvSpPr>
@@ -28450,7 +28337,7 @@
         </p:sp>
         <p:sp>
           <p:nvSpPr>
-            <p:cNvPr id="178" name="Google Shape;178;p10"/>
+            <p:cNvPr id="176" name="Google Shape;176;p10"/>
             <p:cNvSpPr txBox="1"/>
             <p:nvPr/>
           </p:nvSpPr>
@@ -28520,6 +28407,285 @@
 </file>
 
 <file path=ppt/theme/theme1.xml><?xml version="1.0" encoding="utf-8"?>
+<a:theme xmlns:a="http://schemas.openxmlformats.org/drawingml/2006/main" xmlns:r="http://schemas.openxmlformats.org/officeDocument/2006/relationships" name="Tema de Office">
+  <a:themeElements>
+    <a:clrScheme name="Office">
+      <a:dk1>
+        <a:srgbClr val="000000"/>
+      </a:dk1>
+      <a:lt1>
+        <a:srgbClr val="FFFFFF"/>
+      </a:lt1>
+      <a:dk2>
+        <a:srgbClr val="44546A"/>
+      </a:dk2>
+      <a:lt2>
+        <a:srgbClr val="E7E6E6"/>
+      </a:lt2>
+      <a:accent1>
+        <a:srgbClr val="4472C4"/>
+      </a:accent1>
+      <a:accent2>
+        <a:srgbClr val="ED7D31"/>
+      </a:accent2>
+      <a:accent3>
+        <a:srgbClr val="A5A5A5"/>
+      </a:accent3>
+      <a:accent4>
+        <a:srgbClr val="FFC000"/>
+      </a:accent4>
+      <a:accent5>
+        <a:srgbClr val="5B9BD5"/>
+      </a:accent5>
+      <a:accent6>
+        <a:srgbClr val="70AD47"/>
+      </a:accent6>
+      <a:hlink>
+        <a:srgbClr val="0563C1"/>
+      </a:hlink>
+      <a:folHlink>
+        <a:srgbClr val="954F72"/>
+      </a:folHlink>
+    </a:clrScheme>
+    <a:fontScheme name="Office">
+      <a:majorFont>
+        <a:latin typeface="Arial"/>
+        <a:ea typeface=""/>
+        <a:cs typeface=""/>
+        <a:font script="Jpan" typeface="ＭＳ Ｐゴシック"/>
+        <a:font script="Hang" typeface="맑은 고딕"/>
+        <a:font script="Hans" typeface="宋体"/>
+        <a:font script="Hant" typeface="新細明體"/>
+        <a:font script="Arab" typeface="Times New Roman"/>
+        <a:font script="Hebr" typeface="Times New Roman"/>
+        <a:font script="Thai" typeface="Angsana New"/>
+        <a:font script="Ethi" typeface="Nyala"/>
+        <a:font script="Beng" typeface="Vrinda"/>
+        <a:font script="Gujr" typeface="Shruti"/>
+        <a:font script="Khmr" typeface="MoolBoran"/>
+        <a:font script="Knda" typeface="Tunga"/>
+        <a:font script="Guru" typeface="Raavi"/>
+        <a:font script="Cans" typeface="Euphemia"/>
+        <a:font script="Cher" typeface="Plantagenet Cherokee"/>
+        <a:font script="Yiii" typeface="Microsoft Yi Baiti"/>
+        <a:font script="Tibt" typeface="Microsoft Himalaya"/>
+        <a:font script="Thaa" typeface="MV Boli"/>
+        <a:font script="Deva" typeface="Mangal"/>
+        <a:font script="Telu" typeface="Gautami"/>
+        <a:font script="Taml" typeface="Latha"/>
+        <a:font script="Syrc" typeface="Estrangelo Edessa"/>
+        <a:font script="Orya" typeface="Kalinga"/>
+        <a:font script="Mlym" typeface="Kartika"/>
+        <a:font script="Laoo" typeface="DokChampa"/>
+        <a:font script="Sinh" typeface="Iskoola Pota"/>
+        <a:font script="Mong" typeface="Mongolian Baiti"/>
+        <a:font script="Viet" typeface="Times New Roman"/>
+        <a:font script="Uigh" typeface="Microsoft Uighur"/>
+        <a:font script="Geor" typeface="Sylfaen"/>
+      </a:majorFont>
+      <a:minorFont>
+        <a:latin typeface="Arial"/>
+        <a:ea typeface=""/>
+        <a:cs typeface=""/>
+        <a:font script="Jpan" typeface="ＭＳ Ｐゴシック"/>
+        <a:font script="Hang" typeface="맑은 고딕"/>
+        <a:font script="Hans" typeface="宋体"/>
+        <a:font script="Hant" typeface="新細明體"/>
+        <a:font script="Arab" typeface="Arial"/>
+        <a:font script="Hebr" typeface="Arial"/>
+        <a:font script="Thai" typeface="Cordia New"/>
+        <a:font script="Ethi" typeface="Nyala"/>
+        <a:font script="Beng" typeface="Vrinda"/>
+        <a:font script="Gujr" typeface="Shruti"/>
+        <a:font script="Khmr" typeface="DaunPenh"/>
+        <a:font script="Knda" typeface="Tunga"/>
+        <a:font script="Guru" typeface="Raavi"/>
+        <a:font script="Cans" typeface="Euphemia"/>
+        <a:font script="Cher" typeface="Plantagenet Cherokee"/>
+        <a:font script="Yiii" typeface="Microsoft Yi Baiti"/>
+        <a:font script="Tibt" typeface="Microsoft Himalaya"/>
+        <a:font script="Thaa" typeface="MV Boli"/>
+        <a:font script="Deva" typeface="Mangal"/>
+        <a:font script="Telu" typeface="Gautami"/>
+        <a:font script="Taml" typeface="Latha"/>
+        <a:font script="Syrc" typeface="Estrangelo Edessa"/>
+        <a:font script="Orya" typeface="Kalinga"/>
+        <a:font script="Mlym" typeface="Kartika"/>
+        <a:font script="Laoo" typeface="DokChampa"/>
+        <a:font script="Sinh" typeface="Iskoola Pota"/>
+        <a:font script="Mong" typeface="Mongolian Baiti"/>
+        <a:font script="Viet" typeface="Arial"/>
+        <a:font script="Uigh" typeface="Microsoft Uighur"/>
+        <a:font script="Geor" typeface="Sylfaen"/>
+      </a:minorFont>
+    </a:fontScheme>
+    <a:fmtScheme name="Office">
+      <a:fillStyleLst>
+        <a:solidFill>
+          <a:schemeClr val="phClr"/>
+        </a:solidFill>
+        <a:gradFill rotWithShape="1">
+          <a:gsLst>
+            <a:gs pos="0">
+              <a:schemeClr val="phClr">
+                <a:tint val="50000"/>
+                <a:satMod val="300000"/>
+              </a:schemeClr>
+            </a:gs>
+            <a:gs pos="35000">
+              <a:schemeClr val="phClr">
+                <a:tint val="37000"/>
+                <a:satMod val="300000"/>
+              </a:schemeClr>
+            </a:gs>
+            <a:gs pos="100000">
+              <a:schemeClr val="phClr">
+                <a:tint val="15000"/>
+                <a:satMod val="350000"/>
+              </a:schemeClr>
+            </a:gs>
+          </a:gsLst>
+          <a:lin ang="16200000" scaled="1"/>
+        </a:gradFill>
+        <a:gradFill rotWithShape="1">
+          <a:gsLst>
+            <a:gs pos="0">
+              <a:schemeClr val="phClr">
+                <a:tint val="100000"/>
+                <a:shade val="100000"/>
+                <a:satMod val="130000"/>
+              </a:schemeClr>
+            </a:gs>
+            <a:gs pos="100000">
+              <a:schemeClr val="phClr">
+                <a:tint val="50000"/>
+                <a:shade val="100000"/>
+                <a:satMod val="350000"/>
+              </a:schemeClr>
+            </a:gs>
+          </a:gsLst>
+          <a:lin ang="16200000" scaled="0"/>
+        </a:gradFill>
+      </a:fillStyleLst>
+      <a:lnStyleLst>
+        <a:ln w="9525" cap="flat" cmpd="sng" algn="ctr">
+          <a:solidFill>
+            <a:schemeClr val="phClr">
+              <a:shade val="95000"/>
+              <a:satMod val="105000"/>
+            </a:schemeClr>
+          </a:solidFill>
+          <a:prstDash val="solid"/>
+        </a:ln>
+        <a:ln w="25400" cap="flat" cmpd="sng" algn="ctr">
+          <a:solidFill>
+            <a:schemeClr val="phClr"/>
+          </a:solidFill>
+          <a:prstDash val="solid"/>
+        </a:ln>
+        <a:ln w="38100" cap="flat" cmpd="sng" algn="ctr">
+          <a:solidFill>
+            <a:schemeClr val="phClr"/>
+          </a:solidFill>
+          <a:prstDash val="solid"/>
+        </a:ln>
+      </a:lnStyleLst>
+      <a:effectStyleLst>
+        <a:effectStyle>
+          <a:effectLst>
+            <a:outerShdw blurRad="40000" dist="20000" dir="5400000" rotWithShape="0">
+              <a:srgbClr val="000000">
+                <a:alpha val="38000"/>
+              </a:srgbClr>
+            </a:outerShdw>
+          </a:effectLst>
+        </a:effectStyle>
+        <a:effectStyle>
+          <a:effectLst>
+            <a:outerShdw blurRad="40000" dist="23000" dir="5400000" rotWithShape="0">
+              <a:srgbClr val="000000">
+                <a:alpha val="35000"/>
+              </a:srgbClr>
+            </a:outerShdw>
+          </a:effectLst>
+        </a:effectStyle>
+        <a:effectStyle>
+          <a:effectLst>
+            <a:outerShdw blurRad="40000" dist="23000" dir="5400000" rotWithShape="0">
+              <a:srgbClr val="000000">
+                <a:alpha val="35000"/>
+              </a:srgbClr>
+            </a:outerShdw>
+          </a:effectLst>
+          <a:scene3d>
+            <a:camera prst="orthographicFront">
+              <a:rot lat="0" lon="0" rev="0"/>
+            </a:camera>
+            <a:lightRig rig="threePt" dir="t">
+              <a:rot lat="0" lon="0" rev="1200000"/>
+            </a:lightRig>
+          </a:scene3d>
+          <a:sp3d>
+            <a:bevelT w="63500" h="25400"/>
+          </a:sp3d>
+        </a:effectStyle>
+      </a:effectStyleLst>
+      <a:bgFillStyleLst>
+        <a:solidFill>
+          <a:schemeClr val="phClr"/>
+        </a:solidFill>
+        <a:gradFill rotWithShape="1">
+          <a:gsLst>
+            <a:gs pos="0">
+              <a:schemeClr val="phClr">
+                <a:tint val="40000"/>
+                <a:satMod val="350000"/>
+              </a:schemeClr>
+            </a:gs>
+            <a:gs pos="40000">
+              <a:schemeClr val="phClr">
+                <a:tint val="45000"/>
+                <a:shade val="99000"/>
+                <a:satMod val="350000"/>
+              </a:schemeClr>
+            </a:gs>
+            <a:gs pos="100000">
+              <a:schemeClr val="phClr">
+                <a:shade val="20000"/>
+                <a:satMod val="255000"/>
+              </a:schemeClr>
+            </a:gs>
+          </a:gsLst>
+          <a:path path="circle">
+            <a:fillToRect l="50000" t="-80000" r="50000" b="180000"/>
+          </a:path>
+        </a:gradFill>
+        <a:gradFill rotWithShape="1">
+          <a:gsLst>
+            <a:gs pos="0">
+              <a:schemeClr val="phClr">
+                <a:tint val="80000"/>
+                <a:satMod val="300000"/>
+              </a:schemeClr>
+            </a:gs>
+            <a:gs pos="100000">
+              <a:schemeClr val="phClr">
+                <a:shade val="30000"/>
+                <a:satMod val="200000"/>
+              </a:schemeClr>
+            </a:gs>
+          </a:gsLst>
+          <a:path path="circle">
+            <a:fillToRect l="50000" t="50000" r="50000" b="50000"/>
+          </a:path>
+        </a:gradFill>
+      </a:bgFillStyleLst>
+    </a:fmtScheme>
+  </a:themeElements>
+</a:theme>
+</file>
+
+<file path=ppt/theme/theme2.xml><?xml version="1.0" encoding="utf-8"?>
 <a:theme xmlns:a="http://schemas.openxmlformats.org/drawingml/2006/main" xmlns:r="http://schemas.openxmlformats.org/officeDocument/2006/relationships" name="Tema de Office">
   <a:themeElements>
     <a:clrScheme name="Amarillo">
@@ -28796,283 +28962,4 @@
     </a:fmtScheme>
   </a:themeElements>
 </a:theme>
-</file>
-
-<file path=ppt/theme/theme2.xml><?xml version="1.0" encoding="utf-8"?>
-<a:theme xmlns:a="http://schemas.openxmlformats.org/drawingml/2006/main" xmlns:r="http://schemas.openxmlformats.org/officeDocument/2006/relationships" name="Tema de Office">
-  <a:themeElements>
-    <a:clrScheme name="Office">
-      <a:dk1>
-        <a:srgbClr val="000000"/>
-      </a:dk1>
-      <a:lt1>
-        <a:srgbClr val="FFFFFF"/>
-      </a:lt1>
-      <a:dk2>
-        <a:srgbClr val="44546A"/>
-      </a:dk2>
-      <a:lt2>
-        <a:srgbClr val="E7E6E6"/>
-      </a:lt2>
-      <a:accent1>
-        <a:srgbClr val="4472C4"/>
-      </a:accent1>
-      <a:accent2>
-        <a:srgbClr val="ED7D31"/>
-      </a:accent2>
-      <a:accent3>
-        <a:srgbClr val="A5A5A5"/>
-      </a:accent3>
-      <a:accent4>
-        <a:srgbClr val="FFC000"/>
-      </a:accent4>
-      <a:accent5>
-        <a:srgbClr val="5B9BD5"/>
-      </a:accent5>
-      <a:accent6>
-        <a:srgbClr val="70AD47"/>
-      </a:accent6>
-      <a:hlink>
-        <a:srgbClr val="0563C1"/>
-      </a:hlink>
-      <a:folHlink>
-        <a:srgbClr val="954F72"/>
-      </a:folHlink>
-    </a:clrScheme>
-    <a:fontScheme name="Office">
-      <a:majorFont>
-        <a:latin typeface="Arial"/>
-        <a:ea typeface=""/>
-        <a:cs typeface=""/>
-        <a:font script="Jpan" typeface="ＭＳ Ｐゴシック"/>
-        <a:font script="Hang" typeface="맑은 고딕"/>
-        <a:font script="Hans" typeface="宋体"/>
-        <a:font script="Hant" typeface="新細明體"/>
-        <a:font script="Arab" typeface="Times New Roman"/>
-        <a:font script="Hebr" typeface="Times New Roman"/>
-        <a:font script="Thai" typeface="Angsana New"/>
-        <a:font script="Ethi" typeface="Nyala"/>
-        <a:font script="Beng" typeface="Vrinda"/>
-        <a:font script="Gujr" typeface="Shruti"/>
-        <a:font script="Khmr" typeface="MoolBoran"/>
-        <a:font script="Knda" typeface="Tunga"/>
-        <a:font script="Guru" typeface="Raavi"/>
-        <a:font script="Cans" typeface="Euphemia"/>
-        <a:font script="Cher" typeface="Plantagenet Cherokee"/>
-        <a:font script="Yiii" typeface="Microsoft Yi Baiti"/>
-        <a:font script="Tibt" typeface="Microsoft Himalaya"/>
-        <a:font script="Thaa" typeface="MV Boli"/>
-        <a:font script="Deva" typeface="Mangal"/>
-        <a:font script="Telu" typeface="Gautami"/>
-        <a:font script="Taml" typeface="Latha"/>
-        <a:font script="Syrc" typeface="Estrangelo Edessa"/>
-        <a:font script="Orya" typeface="Kalinga"/>
-        <a:font script="Mlym" typeface="Kartika"/>
-        <a:font script="Laoo" typeface="DokChampa"/>
-        <a:font script="Sinh" typeface="Iskoola Pota"/>
-        <a:font script="Mong" typeface="Mongolian Baiti"/>
-        <a:font script="Viet" typeface="Times New Roman"/>
-        <a:font script="Uigh" typeface="Microsoft Uighur"/>
-        <a:font script="Geor" typeface="Sylfaen"/>
-      </a:majorFont>
-      <a:minorFont>
-        <a:latin typeface="Arial"/>
-        <a:ea typeface=""/>
-        <a:cs typeface=""/>
-        <a:font script="Jpan" typeface="ＭＳ Ｐゴシック"/>
-        <a:font script="Hang" typeface="맑은 고딕"/>
-        <a:font script="Hans" typeface="宋体"/>
-        <a:font script="Hant" typeface="新細明體"/>
-        <a:font script="Arab" typeface="Arial"/>
-        <a:font script="Hebr" typeface="Arial"/>
-        <a:font script="Thai" typeface="Cordia New"/>
-        <a:font script="Ethi" typeface="Nyala"/>
-        <a:font script="Beng" typeface="Vrinda"/>
-        <a:font script="Gujr" typeface="Shruti"/>
-        <a:font script="Khmr" typeface="DaunPenh"/>
-        <a:font script="Knda" typeface="Tunga"/>
-        <a:font script="Guru" typeface="Raavi"/>
-        <a:font script="Cans" typeface="Euphemia"/>
-        <a:font script="Cher" typeface="Plantagenet Cherokee"/>
-        <a:font script="Yiii" typeface="Microsoft Yi Baiti"/>
-        <a:font script="Tibt" typeface="Microsoft Himalaya"/>
-        <a:font script="Thaa" typeface="MV Boli"/>
-        <a:font script="Deva" typeface="Mangal"/>
-        <a:font script="Telu" typeface="Gautami"/>
-        <a:font script="Taml" typeface="Latha"/>
-        <a:font script="Syrc" typeface="Estrangelo Edessa"/>
-        <a:font script="Orya" typeface="Kalinga"/>
-        <a:font script="Mlym" typeface="Kartika"/>
-        <a:font script="Laoo" typeface="DokChampa"/>
-        <a:font script="Sinh" typeface="Iskoola Pota"/>
-        <a:font script="Mong" typeface="Mongolian Baiti"/>
-        <a:font script="Viet" typeface="Arial"/>
-        <a:font script="Uigh" typeface="Microsoft Uighur"/>
-        <a:font script="Geor" typeface="Sylfaen"/>
-      </a:minorFont>
-    </a:fontScheme>
-    <a:fmtScheme name="Office">
-      <a:fillStyleLst>
-        <a:solidFill>
-          <a:schemeClr val="phClr"/>
-        </a:solidFill>
-        <a:gradFill rotWithShape="1">
-          <a:gsLst>
-            <a:gs pos="0">
-              <a:schemeClr val="phClr">
-                <a:tint val="50000"/>
-                <a:satMod val="300000"/>
-              </a:schemeClr>
-            </a:gs>
-            <a:gs pos="35000">
-              <a:schemeClr val="phClr">
-                <a:tint val="37000"/>
-                <a:satMod val="300000"/>
-              </a:schemeClr>
-            </a:gs>
-            <a:gs pos="100000">
-              <a:schemeClr val="phClr">
-                <a:tint val="15000"/>
-                <a:satMod val="350000"/>
-              </a:schemeClr>
-            </a:gs>
-          </a:gsLst>
-          <a:lin ang="16200000" scaled="1"/>
-        </a:gradFill>
-        <a:gradFill rotWithShape="1">
-          <a:gsLst>
-            <a:gs pos="0">
-              <a:schemeClr val="phClr">
-                <a:tint val="100000"/>
-                <a:shade val="100000"/>
-                <a:satMod val="130000"/>
-              </a:schemeClr>
-            </a:gs>
-            <a:gs pos="100000">
-              <a:schemeClr val="phClr">
-                <a:tint val="50000"/>
-                <a:shade val="100000"/>
-                <a:satMod val="350000"/>
-              </a:schemeClr>
-            </a:gs>
-          </a:gsLst>
-          <a:lin ang="16200000" scaled="0"/>
-        </a:gradFill>
-      </a:fillStyleLst>
-      <a:lnStyleLst>
-        <a:ln w="9525" cap="flat" cmpd="sng" algn="ctr">
-          <a:solidFill>
-            <a:schemeClr val="phClr">
-              <a:shade val="95000"/>
-              <a:satMod val="105000"/>
-            </a:schemeClr>
-          </a:solidFill>
-          <a:prstDash val="solid"/>
-        </a:ln>
-        <a:ln w="25400" cap="flat" cmpd="sng" algn="ctr">
-          <a:solidFill>
-            <a:schemeClr val="phClr"/>
-          </a:solidFill>
-          <a:prstDash val="solid"/>
-        </a:ln>
-        <a:ln w="38100" cap="flat" cmpd="sng" algn="ctr">
-          <a:solidFill>
-            <a:schemeClr val="phClr"/>
-          </a:solidFill>
-          <a:prstDash val="solid"/>
-        </a:ln>
-      </a:lnStyleLst>
-      <a:effectStyleLst>
-        <a:effectStyle>
-          <a:effectLst>
-            <a:outerShdw blurRad="40000" dist="20000" dir="5400000" rotWithShape="0">
-              <a:srgbClr val="000000">
-                <a:alpha val="38000"/>
-              </a:srgbClr>
-            </a:outerShdw>
-          </a:effectLst>
-        </a:effectStyle>
-        <a:effectStyle>
-          <a:effectLst>
-            <a:outerShdw blurRad="40000" dist="23000" dir="5400000" rotWithShape="0">
-              <a:srgbClr val="000000">
-                <a:alpha val="35000"/>
-              </a:srgbClr>
-            </a:outerShdw>
-          </a:effectLst>
-        </a:effectStyle>
-        <a:effectStyle>
-          <a:effectLst>
-            <a:outerShdw blurRad="40000" dist="23000" dir="5400000" rotWithShape="0">
-              <a:srgbClr val="000000">
-                <a:alpha val="35000"/>
-              </a:srgbClr>
-            </a:outerShdw>
-          </a:effectLst>
-          <a:scene3d>
-            <a:camera prst="orthographicFront">
-              <a:rot lat="0" lon="0" rev="0"/>
-            </a:camera>
-            <a:lightRig rig="threePt" dir="t">
-              <a:rot lat="0" lon="0" rev="1200000"/>
-            </a:lightRig>
-          </a:scene3d>
-          <a:sp3d>
-            <a:bevelT w="63500" h="25400"/>
-          </a:sp3d>
-        </a:effectStyle>
-      </a:effectStyleLst>
-      <a:bgFillStyleLst>
-        <a:solidFill>
-          <a:schemeClr val="phClr"/>
-        </a:solidFill>
-        <a:gradFill rotWithShape="1">
-          <a:gsLst>
-            <a:gs pos="0">
-              <a:schemeClr val="phClr">
-                <a:tint val="40000"/>
-                <a:satMod val="350000"/>
-              </a:schemeClr>
-            </a:gs>
-            <a:gs pos="40000">
-              <a:schemeClr val="phClr">
-                <a:tint val="45000"/>
-                <a:shade val="99000"/>
-                <a:satMod val="350000"/>
-              </a:schemeClr>
-            </a:gs>
-            <a:gs pos="100000">
-              <a:schemeClr val="phClr">
-                <a:shade val="20000"/>
-                <a:satMod val="255000"/>
-              </a:schemeClr>
-            </a:gs>
-          </a:gsLst>
-          <a:path path="circle">
-            <a:fillToRect l="50000" t="-80000" r="50000" b="180000"/>
-          </a:path>
-        </a:gradFill>
-        <a:gradFill rotWithShape="1">
-          <a:gsLst>
-            <a:gs pos="0">
-              <a:schemeClr val="phClr">
-                <a:tint val="80000"/>
-                <a:satMod val="300000"/>
-              </a:schemeClr>
-            </a:gs>
-            <a:gs pos="100000">
-              <a:schemeClr val="phClr">
-                <a:shade val="30000"/>
-                <a:satMod val="200000"/>
-              </a:schemeClr>
-            </a:gs>
-          </a:gsLst>
-          <a:path path="circle">
-            <a:fillToRect l="50000" t="50000" r="50000" b="50000"/>
-          </a:path>
-        </a:gradFill>
-      </a:bgFillStyleLst>
-    </a:fmtScheme>
-  </a:themeElements>
-</a:theme>
 </file>